--- a/Opciones reales.pptx
+++ b/Opciones reales.pptx
@@ -5,25 +5,21 @@
     <p:sldMasterId id="2147483648" r:id="rId4"/>
   </p:sldMasterIdLst>
   <p:notesMasterIdLst>
-    <p:notesMasterId r:id="rId18"/>
+    <p:notesMasterId r:id="rId14"/>
   </p:notesMasterIdLst>
   <p:handoutMasterIdLst>
-    <p:handoutMasterId r:id="rId19"/>
+    <p:handoutMasterId r:id="rId15"/>
   </p:handoutMasterIdLst>
   <p:sldIdLst>
     <p:sldId id="256" r:id="rId5"/>
-    <p:sldId id="257" r:id="rId6"/>
-    <p:sldId id="258" r:id="rId7"/>
+    <p:sldId id="276" r:id="rId6"/>
+    <p:sldId id="257" r:id="rId7"/>
     <p:sldId id="259" r:id="rId8"/>
-    <p:sldId id="267" r:id="rId9"/>
-    <p:sldId id="269" r:id="rId10"/>
-    <p:sldId id="261" r:id="rId11"/>
-    <p:sldId id="263" r:id="rId12"/>
-    <p:sldId id="270" r:id="rId13"/>
-    <p:sldId id="271" r:id="rId14"/>
-    <p:sldId id="268" r:id="rId15"/>
-    <p:sldId id="260" r:id="rId16"/>
-    <p:sldId id="262" r:id="rId17"/>
+    <p:sldId id="273" r:id="rId9"/>
+    <p:sldId id="274" r:id="rId10"/>
+    <p:sldId id="262" r:id="rId11"/>
+    <p:sldId id="277" r:id="rId12"/>
+    <p:sldId id="275" r:id="rId13"/>
   </p:sldIdLst>
   <p:sldSz cx="12192000" cy="6858000"/>
   <p:notesSz cx="6858000" cy="9144000"/>
@@ -133,6 +129,10 @@
 </p:presentation>
 </file>
 
+<file path=ppt/revisionInfo.xml><?xml version="1.0" encoding="utf-8"?>
+<p1510:revInfo xmlns:a="http://schemas.openxmlformats.org/drawingml/2006/main" xmlns:r="http://schemas.openxmlformats.org/officeDocument/2006/relationships" xmlns:p1510="http://schemas.microsoft.com/office/powerpoint/2015/10/main"/>
+</file>
+
 <file path=ppt/handoutMasters/handoutMaster1.xml><?xml version="1.0" encoding="utf-8"?>
 <p:handoutMaster xmlns:a="http://schemas.openxmlformats.org/drawingml/2006/main" xmlns:r="http://schemas.openxmlformats.org/officeDocument/2006/relationships" xmlns:p="http://schemas.openxmlformats.org/presentationml/2006/main">
   <p:cSld>
@@ -215,7 +215,7 @@
           <a:p>
             <a:fld id="{72416E08-9BDE-4A43-AEDA-5CF573FF2C19}" type="datetimeFigureOut">
               <a:rPr lang="pt-BR" smtClean="0"/>
-              <a:t>13/11/2017</a:t>
+              <a:t>22/11/2017</a:t>
             </a:fld>
             <a:endParaRPr lang="pt-BR"/>
           </a:p>
@@ -380,7 +380,7 @@
           <a:p>
             <a:fld id="{01725DA0-24C6-4C39-B88F-B51DF07BDFF5}" type="datetimeFigureOut">
               <a:rPr lang="es-PE" smtClean="0"/>
-              <a:t>14/11/2017</a:t>
+              <a:t>22/11/2017</a:t>
             </a:fld>
             <a:endParaRPr lang="es-PE"/>
           </a:p>
@@ -444,35 +444,35 @@
           <a:p>
             <a:pPr lvl="0"/>
             <a:r>
-              <a:rPr lang="es-ES" smtClean="0"/>
+              <a:rPr lang="es-ES"/>
               <a:t>Haga clic para modificar el estilo de texto del patrón</a:t>
             </a:r>
           </a:p>
           <a:p>
             <a:pPr lvl="1"/>
             <a:r>
-              <a:rPr lang="es-ES" smtClean="0"/>
+              <a:rPr lang="es-ES"/>
               <a:t>Segundo nivel</a:t>
             </a:r>
           </a:p>
           <a:p>
             <a:pPr lvl="2"/>
             <a:r>
-              <a:rPr lang="es-ES" smtClean="0"/>
+              <a:rPr lang="es-ES"/>
               <a:t>Tercer nivel</a:t>
             </a:r>
           </a:p>
           <a:p>
             <a:pPr lvl="3"/>
             <a:r>
-              <a:rPr lang="es-ES" smtClean="0"/>
+              <a:rPr lang="es-ES"/>
               <a:t>Cuarto nivel</a:t>
             </a:r>
           </a:p>
           <a:p>
             <a:pPr lvl="4"/>
             <a:r>
-              <a:rPr lang="es-ES" smtClean="0"/>
+              <a:rPr lang="es-ES"/>
               <a:t>Quinto nivel</a:t>
             </a:r>
             <a:endParaRPr lang="es-PE"/>
@@ -711,7 +711,7 @@
           </a:lstStyle>
           <a:p>
             <a:r>
-              <a:rPr lang="es-419" dirty="0" smtClean="0"/>
+              <a:rPr lang="es-419" dirty="0"/>
               <a:t>Haga clic para editar o título</a:t>
             </a:r>
             <a:endParaRPr lang="pt-BR" dirty="0"/>
@@ -789,7 +789,7 @@
           </a:lstStyle>
           <a:p>
             <a:r>
-              <a:rPr lang="es-419" dirty="0" smtClean="0"/>
+              <a:rPr lang="es-419" dirty="0"/>
               <a:t>Haga clic para editar subtítulo</a:t>
             </a:r>
             <a:endParaRPr lang="pt-BR" dirty="0"/>
@@ -813,7 +813,7 @@
           <a:p>
             <a:fld id="{BB5A3CAC-C3CD-4A44-AC49-E28DCE66EB06}" type="datetimeFigureOut">
               <a:rPr lang="pt-BR" smtClean="0"/>
-              <a:t>13/11/2017</a:t>
+              <a:t>22/11/2017</a:t>
             </a:fld>
             <a:endParaRPr lang="pt-BR"/>
           </a:p>
@@ -1367,7 +1367,7 @@
           </a:lstStyle>
           <a:p>
             <a:r>
-              <a:rPr lang="es-ES" smtClean="0"/>
+              <a:rPr lang="es-ES"/>
               <a:t>Haga clic para modificar el estilo de título del patrón</a:t>
             </a:r>
             <a:endParaRPr lang="pt-BR" dirty="0"/>
@@ -1391,7 +1391,7 @@
           <a:p>
             <a:fld id="{BB5A3CAC-C3CD-4A44-AC49-E28DCE66EB06}" type="datetimeFigureOut">
               <a:rPr lang="pt-BR" smtClean="0"/>
-              <a:t>13/11/2017</a:t>
+              <a:t>22/11/2017</a:t>
             </a:fld>
             <a:endParaRPr lang="pt-BR"/>
           </a:p>
@@ -1546,7 +1546,7 @@
           <a:p>
             <a:pPr lvl="0"/>
             <a:r>
-              <a:rPr lang="es-ES" smtClean="0"/>
+              <a:rPr lang="es-ES"/>
               <a:t>Haga clic para modificar el estilo de texto del patrón</a:t>
             </a:r>
           </a:p>
@@ -1584,7 +1584,7 @@
           <a:p>
             <a:pPr lvl="0"/>
             <a:r>
-              <a:rPr lang="es-ES" smtClean="0"/>
+              <a:rPr lang="es-ES"/>
               <a:t>Haga clic para modificar el estilo de texto del patrón</a:t>
             </a:r>
           </a:p>
@@ -1666,7 +1666,7 @@
           <a:p>
             <a:pPr lvl="0"/>
             <a:r>
-              <a:rPr lang="es-ES" smtClean="0"/>
+              <a:rPr lang="es-ES"/>
               <a:t>Haga clic para modificar el estilo de texto del patrón</a:t>
             </a:r>
           </a:p>
@@ -1755,7 +1755,7 @@
           </a:lstStyle>
           <a:p>
             <a:r>
-              <a:rPr lang="es-ES" smtClean="0"/>
+              <a:rPr lang="es-ES"/>
               <a:t>Haga clic para modificar el estilo de título del patrón</a:t>
             </a:r>
             <a:endParaRPr lang="pt-BR" dirty="0"/>
@@ -1856,7 +1856,7 @@
           <a:p>
             <a:pPr lvl="0"/>
             <a:r>
-              <a:rPr lang="es-ES" smtClean="0"/>
+              <a:rPr lang="es-ES"/>
               <a:t>Haga clic para modificar el estilo de texto del patrón</a:t>
             </a:r>
           </a:p>
@@ -1909,7 +1909,7 @@
           <a:p>
             <a:fld id="{BB5A3CAC-C3CD-4A44-AC49-E28DCE66EB06}" type="datetimeFigureOut">
               <a:rPr lang="pt-BR" smtClean="0"/>
-              <a:t>13/11/2017</a:t>
+              <a:t>22/11/2017</a:t>
             </a:fld>
             <a:endParaRPr lang="pt-BR"/>
           </a:p>
@@ -2033,7 +2033,7 @@
           </a:lstStyle>
           <a:p>
             <a:r>
-              <a:rPr lang="es-ES" smtClean="0"/>
+              <a:rPr lang="es-ES"/>
               <a:t>Haga clic para modificar el estilo de título del patrón</a:t>
             </a:r>
             <a:endParaRPr lang="pt-BR" dirty="0"/>
@@ -2057,7 +2057,7 @@
           <a:p>
             <a:fld id="{BB5A3CAC-C3CD-4A44-AC49-E28DCE66EB06}" type="datetimeFigureOut">
               <a:rPr lang="pt-BR" smtClean="0"/>
-              <a:t>13/11/2017</a:t>
+              <a:t>22/11/2017</a:t>
             </a:fld>
             <a:endParaRPr lang="pt-BR"/>
           </a:p>
@@ -2257,7 +2257,7 @@
           <a:p>
             <a:pPr lvl="0"/>
             <a:r>
-              <a:rPr lang="es-ES" smtClean="0"/>
+              <a:rPr lang="es-ES"/>
               <a:t>Haga clic para modificar el estilo de texto del patrón</a:t>
             </a:r>
           </a:p>
@@ -2337,7 +2337,7 @@
           </a:lstStyle>
           <a:p>
             <a:r>
-              <a:rPr lang="es-ES" smtClean="0"/>
+              <a:rPr lang="es-ES"/>
               <a:t>Haga clic para modificar el estilo de título del patrón</a:t>
             </a:r>
             <a:endParaRPr lang="pt-BR" dirty="0"/>
@@ -2361,7 +2361,7 @@
           <a:p>
             <a:fld id="{BB5A3CAC-C3CD-4A44-AC49-E28DCE66EB06}" type="datetimeFigureOut">
               <a:rPr lang="pt-BR" smtClean="0"/>
-              <a:t>13/11/2017</a:t>
+              <a:t>22/11/2017</a:t>
             </a:fld>
             <a:endParaRPr lang="pt-BR"/>
           </a:p>
@@ -2486,7 +2486,7 @@
           <a:p>
             <a:pPr lvl="0"/>
             <a:r>
-              <a:rPr lang="es-ES" smtClean="0"/>
+              <a:rPr lang="es-ES"/>
               <a:t>Haga clic para modificar el estilo de texto del patrón</a:t>
             </a:r>
           </a:p>
@@ -2665,7 +2665,7 @@
           </a:lstStyle>
           <a:p>
             <a:r>
-              <a:rPr lang="es-ES" smtClean="0"/>
+              <a:rPr lang="es-ES"/>
               <a:t>Haga clic para modificar el estilo de título del patrón</a:t>
             </a:r>
             <a:endParaRPr lang="pt-BR" dirty="0"/>
@@ -2689,7 +2689,7 @@
           <a:p>
             <a:fld id="{BB5A3CAC-C3CD-4A44-AC49-E28DCE66EB06}" type="datetimeFigureOut">
               <a:rPr lang="pt-BR" smtClean="0"/>
-              <a:t>13/11/2017</a:t>
+              <a:t>22/11/2017</a:t>
             </a:fld>
             <a:endParaRPr lang="pt-BR"/>
           </a:p>
@@ -2819,7 +2819,7 @@
           <a:p>
             <a:pPr lvl="0"/>
             <a:r>
-              <a:rPr lang="es-ES" smtClean="0"/>
+              <a:rPr lang="es-ES"/>
               <a:t>Haga clic para modificar el estilo de texto del patrón</a:t>
             </a:r>
           </a:p>
@@ -2859,7 +2859,7 @@
           <a:p>
             <a:pPr lvl="0"/>
             <a:r>
-              <a:rPr lang="es-ES" smtClean="0"/>
+              <a:rPr lang="es-ES"/>
               <a:t>Haga clic para modificar el estilo de texto del patrón</a:t>
             </a:r>
           </a:p>
@@ -2897,7 +2897,7 @@
           <a:p>
             <a:pPr lvl="0"/>
             <a:r>
-              <a:rPr lang="es-ES" smtClean="0"/>
+              <a:rPr lang="es-ES"/>
               <a:t>Haga clic para modificar el estilo de texto del patrón</a:t>
             </a:r>
           </a:p>
@@ -2935,7 +2935,7 @@
           <a:p>
             <a:pPr lvl="0"/>
             <a:r>
-              <a:rPr lang="es-ES" smtClean="0"/>
+              <a:rPr lang="es-ES"/>
               <a:t>Haga clic para modificar el estilo de texto del patrón</a:t>
             </a:r>
           </a:p>
@@ -3584,7 +3584,7 @@
           </a:lstStyle>
           <a:p>
             <a:r>
-              <a:rPr lang="es-ES" smtClean="0"/>
+              <a:rPr lang="es-ES"/>
               <a:t>Haga clic para modificar el estilo de título del patrón</a:t>
             </a:r>
             <a:endParaRPr lang="pt-BR" dirty="0"/>
@@ -3608,7 +3608,7 @@
           <a:p>
             <a:fld id="{BB5A3CAC-C3CD-4A44-AC49-E28DCE66EB06}" type="datetimeFigureOut">
               <a:rPr lang="pt-BR" smtClean="0"/>
-              <a:t>13/11/2017</a:t>
+              <a:t>22/11/2017</a:t>
             </a:fld>
             <a:endParaRPr lang="pt-BR"/>
           </a:p>
@@ -3738,7 +3738,7 @@
           <a:p>
             <a:pPr lvl="0"/>
             <a:r>
-              <a:rPr lang="es-ES" smtClean="0"/>
+              <a:rPr lang="es-ES"/>
               <a:t>Haga clic para modificar el estilo de texto del patrón</a:t>
             </a:r>
           </a:p>
@@ -3778,7 +3778,7 @@
           <a:p>
             <a:pPr lvl="0"/>
             <a:r>
-              <a:rPr lang="es-ES" smtClean="0"/>
+              <a:rPr lang="es-ES"/>
               <a:t>Haga clic para modificar el estilo de texto del patrón</a:t>
             </a:r>
           </a:p>
@@ -3816,7 +3816,7 @@
           <a:p>
             <a:pPr lvl="0"/>
             <a:r>
-              <a:rPr lang="es-ES" smtClean="0"/>
+              <a:rPr lang="es-ES"/>
               <a:t>Haga clic para modificar el estilo de texto del patrón</a:t>
             </a:r>
           </a:p>
@@ -3854,7 +3854,7 @@
           <a:p>
             <a:pPr lvl="0"/>
             <a:r>
-              <a:rPr lang="es-ES" smtClean="0"/>
+              <a:rPr lang="es-ES"/>
               <a:t>Haga clic para modificar el estilo de texto del patrón</a:t>
             </a:r>
           </a:p>
@@ -4151,7 +4151,7 @@
           <a:p>
             <a:pPr lvl="0"/>
             <a:r>
-              <a:rPr lang="es-ES" smtClean="0"/>
+              <a:rPr lang="es-ES"/>
               <a:t>Haga clic para modificar el estilo de texto del patrón</a:t>
             </a:r>
           </a:p>
@@ -4191,7 +4191,7 @@
           <a:p>
             <a:pPr lvl="0"/>
             <a:r>
-              <a:rPr lang="es-ES" smtClean="0"/>
+              <a:rPr lang="es-ES"/>
               <a:t>Haga clic para modificar el estilo de texto del patrón</a:t>
             </a:r>
           </a:p>
@@ -4680,7 +4680,7 @@
           </a:lstStyle>
           <a:p>
             <a:r>
-              <a:rPr lang="es-ES" smtClean="0"/>
+              <a:rPr lang="es-ES"/>
               <a:t>Haga clic para modificar el estilo de título del patrón</a:t>
             </a:r>
             <a:endParaRPr lang="pt-BR" dirty="0"/>
@@ -4704,7 +4704,7 @@
           <a:p>
             <a:fld id="{BB5A3CAC-C3CD-4A44-AC49-E28DCE66EB06}" type="datetimeFigureOut">
               <a:rPr lang="pt-BR" smtClean="0"/>
-              <a:t>13/11/2017</a:t>
+              <a:t>22/11/2017</a:t>
             </a:fld>
             <a:endParaRPr lang="pt-BR"/>
           </a:p>
@@ -4887,7 +4887,7 @@
           <a:p>
             <a:fld id="{BB5A3CAC-C3CD-4A44-AC49-E28DCE66EB06}" type="datetimeFigureOut">
               <a:rPr lang="pt-BR" smtClean="0"/>
-              <a:t>13/11/2017</a:t>
+              <a:t>22/11/2017</a:t>
             </a:fld>
             <a:endParaRPr lang="pt-BR"/>
           </a:p>
@@ -5067,7 +5067,7 @@
           <a:p>
             <a:pPr lvl="0"/>
             <a:r>
-              <a:rPr lang="es-ES" smtClean="0"/>
+              <a:rPr lang="es-ES"/>
               <a:t>Haga clic para modificar el estilo de texto del patrón</a:t>
             </a:r>
           </a:p>
@@ -5090,7 +5090,7 @@
           <a:p>
             <a:fld id="{BB5A3CAC-C3CD-4A44-AC49-E28DCE66EB06}" type="datetimeFigureOut">
               <a:rPr lang="pt-BR" smtClean="0"/>
-              <a:t>13/11/2017</a:t>
+              <a:t>22/11/2017</a:t>
             </a:fld>
             <a:endParaRPr lang="pt-BR"/>
           </a:p>
@@ -5218,7 +5218,7 @@
           </a:lstStyle>
           <a:p>
             <a:r>
-              <a:rPr lang="es-ES" smtClean="0"/>
+              <a:rPr lang="es-ES"/>
               <a:t>Haga clic para modificar el estilo de título del patrón</a:t>
             </a:r>
             <a:endParaRPr lang="pt-BR" dirty="0"/>
@@ -5339,7 +5339,7 @@
           <a:p>
             <a:pPr lvl="0"/>
             <a:r>
-              <a:rPr lang="es-ES" smtClean="0"/>
+              <a:rPr lang="es-ES"/>
               <a:t>Haga clic para modificar el estilo de texto del patrón</a:t>
             </a:r>
           </a:p>
@@ -5393,7 +5393,7 @@
           <a:p>
             <a:pPr lvl="0"/>
             <a:r>
-              <a:rPr lang="es-ES" smtClean="0"/>
+              <a:rPr lang="es-ES"/>
               <a:t>Haga clic para modificar el estilo de texto del patrón</a:t>
             </a:r>
           </a:p>
@@ -5569,7 +5569,7 @@
           </a:lstStyle>
           <a:p>
             <a:r>
-              <a:rPr lang="es-ES" smtClean="0"/>
+              <a:rPr lang="es-ES"/>
               <a:t>Haga clic para modificar el estilo de título del patrón</a:t>
             </a:r>
             <a:endParaRPr lang="pt-BR" dirty="0"/>
@@ -5593,7 +5593,7 @@
           <a:p>
             <a:fld id="{BB5A3CAC-C3CD-4A44-AC49-E28DCE66EB06}" type="datetimeFigureOut">
               <a:rPr lang="pt-BR" smtClean="0"/>
-              <a:t>13/11/2017</a:t>
+              <a:t>22/11/2017</a:t>
             </a:fld>
             <a:endParaRPr lang="pt-BR"/>
           </a:p>
@@ -5755,7 +5755,7 @@
           <a:p>
             <a:pPr lvl="0"/>
             <a:r>
-              <a:rPr lang="es-ES" smtClean="0"/>
+              <a:rPr lang="es-ES"/>
               <a:t>Haga clic para modificar el estilo de texto del patrón</a:t>
             </a:r>
           </a:p>
@@ -5809,7 +5809,7 @@
           <a:p>
             <a:pPr lvl="0"/>
             <a:r>
-              <a:rPr lang="es-ES" smtClean="0"/>
+              <a:rPr lang="es-ES"/>
               <a:t>Haga clic para modificar el estilo de texto del patrón</a:t>
             </a:r>
           </a:p>
@@ -5845,7 +5845,7 @@
           </a:lstStyle>
           <a:p>
             <a:r>
-              <a:rPr lang="es-ES" smtClean="0"/>
+              <a:rPr lang="es-ES"/>
               <a:t>Haga clic en el icono para agregar una imagen</a:t>
             </a:r>
             <a:endParaRPr lang="pt-BR" dirty="0"/>
@@ -5929,7 +5929,7 @@
           <a:lstStyle/>
           <a:p>
             <a:r>
-              <a:rPr lang="es-ES" smtClean="0"/>
+              <a:rPr lang="es-ES"/>
               <a:t>Haga clic para modificar el estilo de título del patrón</a:t>
             </a:r>
             <a:endParaRPr lang="pt-BR"/>
@@ -5963,35 +5963,35 @@
           <a:p>
             <a:pPr lvl="0"/>
             <a:r>
-              <a:rPr lang="es-ES" smtClean="0"/>
+              <a:rPr lang="es-ES"/>
               <a:t>Haga clic para modificar el estilo de texto del patrón</a:t>
             </a:r>
           </a:p>
           <a:p>
             <a:pPr lvl="1"/>
             <a:r>
-              <a:rPr lang="es-ES" smtClean="0"/>
+              <a:rPr lang="es-ES"/>
               <a:t>Segundo nivel</a:t>
             </a:r>
           </a:p>
           <a:p>
             <a:pPr lvl="2"/>
             <a:r>
-              <a:rPr lang="es-ES" smtClean="0"/>
+              <a:rPr lang="es-ES"/>
               <a:t>Tercer nivel</a:t>
             </a:r>
           </a:p>
           <a:p>
             <a:pPr lvl="3"/>
             <a:r>
-              <a:rPr lang="es-ES" smtClean="0"/>
+              <a:rPr lang="es-ES"/>
               <a:t>Cuarto nivel</a:t>
             </a:r>
           </a:p>
           <a:p>
             <a:pPr lvl="4"/>
             <a:r>
-              <a:rPr lang="es-ES" smtClean="0"/>
+              <a:rPr lang="es-ES"/>
               <a:t>Quinto nivel</a:t>
             </a:r>
             <a:endParaRPr lang="pt-BR"/>
@@ -6033,7 +6033,7 @@
           <a:p>
             <a:fld id="{BB5A3CAC-C3CD-4A44-AC49-E28DCE66EB06}" type="datetimeFigureOut">
               <a:rPr lang="pt-BR" smtClean="0"/>
-              <a:t>13/11/2017</a:t>
+              <a:t>22/11/2017</a:t>
             </a:fld>
             <a:endParaRPr lang="pt-BR"/>
           </a:p>
@@ -6456,10 +6456,9 @@
           <a:lstStyle/>
           <a:p>
             <a:r>
-              <a:rPr lang="es-MX" dirty="0" smtClean="0"/>
+              <a:rPr lang="es-MX" dirty="0"/>
               <a:t>Opciones reales</a:t>
             </a:r>
-            <a:endParaRPr lang="es-MX" dirty="0"/>
           </a:p>
         </p:txBody>
       </p:sp>
@@ -6473,19 +6472,70 @@
             <p:ph type="subTitle" idx="1"/>
           </p:nvPr>
         </p:nvSpPr>
-        <p:spPr/>
+        <p:spPr>
+          <a:xfrm>
+            <a:off x="3302770" y="4793974"/>
+            <a:ext cx="5597236" cy="969818"/>
+          </a:xfrm>
+        </p:spPr>
         <p:txBody>
           <a:bodyPr/>
           <a:lstStyle/>
           <a:p>
             <a:r>
-              <a:rPr lang="es-MX" dirty="0" smtClean="0"/>
-              <a:t>Matemática Computacional</a:t>
+              <a:rPr lang="es-MX" dirty="0"/>
+              <a:t>Trabajo final de Matemática Computacional</a:t>
             </a:r>
-            <a:endParaRPr lang="es-MX" dirty="0"/>
           </a:p>
         </p:txBody>
       </p:sp>
+      <p:pic>
+        <p:nvPicPr>
+          <p:cNvPr id="3074" name="Picture 2" descr="LogoUPC.png">
+            <a:extLst>
+              <a:ext uri="{FF2B5EF4-FFF2-40B4-BE49-F238E27FC236}">
+                <a16:creationId xmlns:a16="http://schemas.microsoft.com/office/drawing/2014/main" id="{2C3265CA-1337-4708-AF2D-C4D292149089}"/>
+              </a:ext>
+            </a:extLst>
+          </p:cNvPr>
+          <p:cNvPicPr>
+            <a:picLocks noChangeAspect="1" noChangeArrowheads="1"/>
+          </p:cNvPicPr>
+          <p:nvPr/>
+        </p:nvPicPr>
+        <p:blipFill>
+          <a:blip r:embed="rId2">
+            <a:extLst>
+              <a:ext uri="{28A0092B-C50C-407E-A947-70E740481C1C}">
+                <a14:useLocalDpi xmlns:a14="http://schemas.microsoft.com/office/drawing/2010/main" val="0"/>
+              </a:ext>
+            </a:extLst>
+          </a:blip>
+          <a:srcRect/>
+          <a:stretch>
+            <a:fillRect/>
+          </a:stretch>
+        </p:blipFill>
+        <p:spPr bwMode="auto">
+          <a:xfrm>
+            <a:off x="10853530" y="0"/>
+            <a:ext cx="1338470" cy="1338470"/>
+          </a:xfrm>
+          <a:prstGeom prst="rect">
+            <a:avLst/>
+          </a:prstGeom>
+          <a:noFill/>
+          <a:extLst>
+            <a:ext uri="{909E8E84-426E-40DD-AFC4-6F175D3DCCD1}">
+              <a14:hiddenFill xmlns:a14="http://schemas.microsoft.com/office/drawing/2010/main">
+                <a:solidFill>
+                  <a:srgbClr val="FFFFFF"/>
+                </a:solidFill>
+              </a14:hiddenFill>
+            </a:ext>
+          </a:extLst>
+        </p:spPr>
+      </p:pic>
     </p:spTree>
     <p:extLst>
       <p:ext uri="{BB962C8B-B14F-4D97-AF65-F5344CB8AC3E}">
@@ -6496,17 +6546,10 @@
   <p:clrMapOvr>
     <a:masterClrMapping/>
   </p:clrMapOvr>
-  <p:timing>
-    <p:tnLst>
-      <p:par>
-        <p:cTn id="1" dur="indefinite" restart="never" nodeType="tmRoot"/>
-      </p:par>
-    </p:tnLst>
-  </p:timing>
 </p:sld>
 </file>
 
-<file path=ppt/slides/slide10.xml><?xml version="1.0" encoding="utf-8"?>
+<file path=ppt/slides/slide2.xml><?xml version="1.0" encoding="utf-8"?>
 <p:sld xmlns:a="http://schemas.openxmlformats.org/drawingml/2006/main" xmlns:r="http://schemas.openxmlformats.org/officeDocument/2006/relationships" xmlns:p="http://schemas.openxmlformats.org/presentationml/2006/main">
   <p:cSld>
     <p:spTree>
@@ -6525,7 +6568,322 @@
       </p:grpSpPr>
       <p:sp>
         <p:nvSpPr>
-          <p:cNvPr id="2" name="Título 1"/>
+          <p:cNvPr id="2" name="Título 1">
+            <a:extLst>
+              <a:ext uri="{FF2B5EF4-FFF2-40B4-BE49-F238E27FC236}">
+                <a16:creationId xmlns:a16="http://schemas.microsoft.com/office/drawing/2014/main" id="{7AFC877D-2665-429B-A932-BA5EB45ADC70}"/>
+              </a:ext>
+            </a:extLst>
+          </p:cNvPr>
+          <p:cNvSpPr>
+            <a:spLocks noGrp="1"/>
+          </p:cNvSpPr>
+          <p:nvPr>
+            <p:ph type="title"/>
+          </p:nvPr>
+        </p:nvSpPr>
+        <p:spPr>
+          <a:xfrm>
+            <a:off x="838200" y="365125"/>
+            <a:ext cx="10518913" cy="1325563"/>
+          </a:xfrm>
+        </p:spPr>
+        <p:txBody>
+          <a:bodyPr>
+            <a:normAutofit/>
+          </a:bodyPr>
+          <a:lstStyle/>
+          <a:p>
+            <a:pPr algn="ctr"/>
+            <a:r>
+              <a:rPr lang="es-PE" sz="5400" dirty="0">
+                <a:solidFill>
+                  <a:schemeClr val="bg1"/>
+                </a:solidFill>
+              </a:rPr>
+              <a:t>Integrantes</a:t>
+            </a:r>
+          </a:p>
+        </p:txBody>
+      </p:sp>
+      <p:sp>
+        <p:nvSpPr>
+          <p:cNvPr id="5" name="CuadroTexto 4">
+            <a:extLst>
+              <a:ext uri="{FF2B5EF4-FFF2-40B4-BE49-F238E27FC236}">
+                <a16:creationId xmlns:a16="http://schemas.microsoft.com/office/drawing/2014/main" id="{2D69B617-55DE-4259-8736-39F0974E9F24}"/>
+              </a:ext>
+            </a:extLst>
+          </p:cNvPr>
+          <p:cNvSpPr txBox="1"/>
+          <p:nvPr/>
+        </p:nvSpPr>
+        <p:spPr>
+          <a:xfrm>
+            <a:off x="940905" y="2562770"/>
+            <a:ext cx="8468139" cy="3416320"/>
+          </a:xfrm>
+          <a:prstGeom prst="rect">
+            <a:avLst/>
+          </a:prstGeom>
+          <a:noFill/>
+        </p:spPr>
+        <p:txBody>
+          <a:bodyPr wrap="square" rtlCol="0">
+            <a:spAutoFit/>
+          </a:bodyPr>
+          <a:lstStyle/>
+          <a:p>
+            <a:pPr marL="285750" indent="-285750">
+              <a:buFont typeface="Arial" panose="020B0604020202020204" pitchFamily="34" charset="0"/>
+              <a:buChar char="•"/>
+            </a:pPr>
+            <a:r>
+              <a:rPr lang="es-PE" sz="3600" dirty="0" err="1">
+                <a:solidFill>
+                  <a:schemeClr val="bg1"/>
+                </a:solidFill>
+              </a:rPr>
+              <a:t>Calderon</a:t>
+            </a:r>
+            <a:r>
+              <a:rPr lang="es-PE" sz="3600" dirty="0">
+                <a:solidFill>
+                  <a:schemeClr val="bg1"/>
+                </a:solidFill>
+              </a:rPr>
+              <a:t> </a:t>
+            </a:r>
+            <a:r>
+              <a:rPr lang="es-PE" sz="3600" dirty="0" err="1">
+                <a:solidFill>
+                  <a:schemeClr val="bg1"/>
+                </a:solidFill>
+              </a:rPr>
+              <a:t>Zapana</a:t>
+            </a:r>
+            <a:r>
+              <a:rPr lang="es-PE" sz="3600" dirty="0">
+                <a:solidFill>
+                  <a:schemeClr val="bg1"/>
+                </a:solidFill>
+              </a:rPr>
+              <a:t>, Miguel </a:t>
+            </a:r>
+            <a:r>
+              <a:rPr lang="es-PE" sz="3600" dirty="0" err="1">
+                <a:solidFill>
+                  <a:schemeClr val="bg1"/>
+                </a:solidFill>
+              </a:rPr>
+              <a:t>Angel</a:t>
+            </a:r>
+            <a:r>
+              <a:rPr lang="es-PE" sz="3600" dirty="0">
+                <a:solidFill>
+                  <a:schemeClr val="bg1"/>
+                </a:solidFill>
+              </a:rPr>
+              <a:t>  </a:t>
+            </a:r>
+          </a:p>
+          <a:p>
+            <a:pPr marL="285750" indent="-285750">
+              <a:buFont typeface="Arial" panose="020B0604020202020204" pitchFamily="34" charset="0"/>
+              <a:buChar char="•"/>
+            </a:pPr>
+            <a:r>
+              <a:rPr lang="es-PE" sz="3600" dirty="0">
+                <a:solidFill>
+                  <a:schemeClr val="bg1"/>
+                </a:solidFill>
+              </a:rPr>
+              <a:t>Rojas </a:t>
+            </a:r>
+            <a:r>
+              <a:rPr lang="es-PE" sz="3600" dirty="0" err="1">
+                <a:solidFill>
+                  <a:schemeClr val="bg1"/>
+                </a:solidFill>
+              </a:rPr>
+              <a:t>Guimarey</a:t>
+            </a:r>
+            <a:r>
+              <a:rPr lang="es-PE" sz="3600" dirty="0">
+                <a:solidFill>
+                  <a:schemeClr val="bg1"/>
+                </a:solidFill>
+              </a:rPr>
+              <a:t>, </a:t>
+            </a:r>
+            <a:r>
+              <a:rPr lang="es-PE" sz="3600" dirty="0" err="1">
+                <a:solidFill>
+                  <a:schemeClr val="bg1"/>
+                </a:solidFill>
+              </a:rPr>
+              <a:t>Jose</a:t>
+            </a:r>
+            <a:r>
+              <a:rPr lang="es-PE" sz="3600" dirty="0">
+                <a:solidFill>
+                  <a:schemeClr val="bg1"/>
+                </a:solidFill>
+              </a:rPr>
+              <a:t> </a:t>
+            </a:r>
+            <a:r>
+              <a:rPr lang="es-PE" sz="3600" dirty="0" err="1">
+                <a:solidFill>
+                  <a:schemeClr val="bg1"/>
+                </a:solidFill>
+              </a:rPr>
+              <a:t>Maria</a:t>
+            </a:r>
+            <a:endParaRPr lang="es-PE" sz="3600" dirty="0">
+              <a:solidFill>
+                <a:schemeClr val="bg1"/>
+              </a:solidFill>
+            </a:endParaRPr>
+          </a:p>
+          <a:p>
+            <a:pPr marL="285750" indent="-285750">
+              <a:buFont typeface="Arial" panose="020B0604020202020204" pitchFamily="34" charset="0"/>
+              <a:buChar char="•"/>
+            </a:pPr>
+            <a:r>
+              <a:rPr lang="es-PE" sz="3600" dirty="0" err="1">
+                <a:solidFill>
+                  <a:schemeClr val="bg1"/>
+                </a:solidFill>
+              </a:rPr>
+              <a:t>Ravelli</a:t>
+            </a:r>
+            <a:r>
+              <a:rPr lang="es-PE" sz="3600" dirty="0">
+                <a:solidFill>
+                  <a:schemeClr val="bg1"/>
+                </a:solidFill>
+              </a:rPr>
+              <a:t> Altamirano, Renzo Adriano</a:t>
+            </a:r>
+          </a:p>
+          <a:p>
+            <a:pPr marL="285750" indent="-285750">
+              <a:buFont typeface="Arial" panose="020B0604020202020204" pitchFamily="34" charset="0"/>
+              <a:buChar char="•"/>
+            </a:pPr>
+            <a:r>
+              <a:rPr lang="es-PE" sz="3600" dirty="0">
+                <a:solidFill>
+                  <a:schemeClr val="bg1"/>
+                </a:solidFill>
+              </a:rPr>
+              <a:t>López Hurtado, César Andrés</a:t>
+            </a:r>
+          </a:p>
+          <a:p>
+            <a:pPr marL="285750" indent="-285750">
+              <a:buFont typeface="Arial" panose="020B0604020202020204" pitchFamily="34" charset="0"/>
+              <a:buChar char="•"/>
+            </a:pPr>
+            <a:r>
+              <a:rPr lang="es-PE" sz="3600" dirty="0">
+                <a:solidFill>
+                  <a:schemeClr val="bg1"/>
+                </a:solidFill>
+              </a:rPr>
+              <a:t>Flores Romero, Francisco Abdiel</a:t>
+            </a:r>
+          </a:p>
+          <a:p>
+            <a:br>
+              <a:rPr lang="es-PE" dirty="0"/>
+            </a:br>
+            <a:endParaRPr lang="es-PE" dirty="0"/>
+          </a:p>
+        </p:txBody>
+      </p:sp>
+      <p:pic>
+        <p:nvPicPr>
+          <p:cNvPr id="6" name="Picture 2" descr="LogoUPC.png">
+            <a:extLst>
+              <a:ext uri="{FF2B5EF4-FFF2-40B4-BE49-F238E27FC236}">
+                <a16:creationId xmlns:a16="http://schemas.microsoft.com/office/drawing/2014/main" id="{10EB216A-CA86-4754-9A82-64AE741F8CA8}"/>
+              </a:ext>
+            </a:extLst>
+          </p:cNvPr>
+          <p:cNvPicPr>
+            <a:picLocks noChangeAspect="1" noChangeArrowheads="1"/>
+          </p:cNvPicPr>
+          <p:nvPr/>
+        </p:nvPicPr>
+        <p:blipFill>
+          <a:blip r:embed="rId2">
+            <a:extLst>
+              <a:ext uri="{28A0092B-C50C-407E-A947-70E740481C1C}">
+                <a14:useLocalDpi xmlns:a14="http://schemas.microsoft.com/office/drawing/2010/main" val="0"/>
+              </a:ext>
+            </a:extLst>
+          </a:blip>
+          <a:srcRect/>
+          <a:stretch>
+            <a:fillRect/>
+          </a:stretch>
+        </p:blipFill>
+        <p:spPr bwMode="auto">
+          <a:xfrm>
+            <a:off x="10853530" y="0"/>
+            <a:ext cx="1338470" cy="1338470"/>
+          </a:xfrm>
+          <a:prstGeom prst="rect">
+            <a:avLst/>
+          </a:prstGeom>
+          <a:noFill/>
+          <a:extLst>
+            <a:ext uri="{909E8E84-426E-40DD-AFC4-6F175D3DCCD1}">
+              <a14:hiddenFill xmlns:a14="http://schemas.microsoft.com/office/drawing/2010/main">
+                <a:solidFill>
+                  <a:srgbClr val="FFFFFF"/>
+                </a:solidFill>
+              </a14:hiddenFill>
+            </a:ext>
+          </a:extLst>
+        </p:spPr>
+      </p:pic>
+    </p:spTree>
+    <p:extLst>
+      <p:ext uri="{BB962C8B-B14F-4D97-AF65-F5344CB8AC3E}">
+        <p14:creationId xmlns:p14="http://schemas.microsoft.com/office/powerpoint/2010/main" val="1119380252"/>
+      </p:ext>
+    </p:extLst>
+  </p:cSld>
+  <p:clrMapOvr>
+    <a:masterClrMapping/>
+  </p:clrMapOvr>
+</p:sld>
+</file>
+
+<file path=ppt/slides/slide3.xml><?xml version="1.0" encoding="utf-8"?>
+<p:sld xmlns:a="http://schemas.openxmlformats.org/drawingml/2006/main" xmlns:r="http://schemas.openxmlformats.org/officeDocument/2006/relationships" xmlns:p="http://schemas.openxmlformats.org/presentationml/2006/main">
+  <p:cSld>
+    <p:spTree>
+      <p:nvGrpSpPr>
+        <p:cNvPr id="1" name=""/>
+        <p:cNvGrpSpPr/>
+        <p:nvPr/>
+      </p:nvGrpSpPr>
+      <p:grpSpPr>
+        <a:xfrm>
+          <a:off x="0" y="0"/>
+          <a:ext cx="0" cy="0"/>
+          <a:chOff x="0" y="0"/>
+          <a:chExt cx="0" cy="0"/>
+        </a:xfrm>
+      </p:grpSpPr>
+      <p:sp>
+        <p:nvSpPr>
+          <p:cNvPr id="2" name="Title 1"/>
           <p:cNvSpPr>
             <a:spLocks noGrp="1"/>
           </p:cNvSpPr>
@@ -6538,22 +6896,23 @@
           <a:bodyPr/>
           <a:lstStyle/>
           <a:p>
+            <a:pPr algn="ctr"/>
             <a:r>
-              <a:rPr lang="es-PE" dirty="0" smtClean="0"/>
-              <a:t>En el código: </a:t>
+              <a:rPr lang="es-PE" dirty="0"/>
+              <a:t>Definición de OR:</a:t>
             </a:r>
-            <a:endParaRPr lang="es-PE" dirty="0"/>
+            <a:endParaRPr lang="en-US" dirty="0"/>
           </a:p>
         </p:txBody>
       </p:sp>
       <p:sp>
         <p:nvSpPr>
-          <p:cNvPr id="3" name="Marcador de texto 2"/>
+          <p:cNvPr id="3" name="Content Placeholder 2"/>
           <p:cNvSpPr>
             <a:spLocks noGrp="1"/>
           </p:cNvSpPr>
           <p:nvPr>
-            <p:ph type="body" sz="quarter" idx="14"/>
+            <p:ph sz="quarter" idx="13"/>
           </p:nvPr>
         </p:nvSpPr>
         <p:spPr/>
@@ -6561,31 +6920,86 @@
           <a:bodyPr/>
           <a:lstStyle/>
           <a:p>
+            <a:r>
+              <a:rPr lang="es-PE" dirty="0"/>
+              <a:t>Las opciones reales son un técnica para la evaluación de proyectos en situaciones futuras de inversión o cambios donde la incertidumbre sea extensa.</a:t>
+            </a:r>
+          </a:p>
+          <a:p>
             <a:endParaRPr lang="es-PE" dirty="0"/>
+          </a:p>
+          <a:p>
+            <a:endParaRPr lang="es-PE" dirty="0"/>
+          </a:p>
+          <a:p>
+            <a:r>
+              <a:rPr lang="es-PE" dirty="0"/>
+              <a:t>-VPN o VAN(Valor Actual Neto)</a:t>
+            </a:r>
           </a:p>
         </p:txBody>
       </p:sp>
+      <p:pic>
+        <p:nvPicPr>
+          <p:cNvPr id="4" name="Picture 2" descr="LogoUPC.png">
+            <a:extLst>
+              <a:ext uri="{FF2B5EF4-FFF2-40B4-BE49-F238E27FC236}">
+                <a16:creationId xmlns:a16="http://schemas.microsoft.com/office/drawing/2014/main" id="{CDE7C559-E0A8-42FD-B212-0D32FCDAD780}"/>
+              </a:ext>
+            </a:extLst>
+          </p:cNvPr>
+          <p:cNvPicPr>
+            <a:picLocks noChangeAspect="1" noChangeArrowheads="1"/>
+          </p:cNvPicPr>
+          <p:nvPr/>
+        </p:nvPicPr>
+        <p:blipFill>
+          <a:blip r:embed="rId2">
+            <a:extLst>
+              <a:ext uri="{28A0092B-C50C-407E-A947-70E740481C1C}">
+                <a14:useLocalDpi xmlns:a14="http://schemas.microsoft.com/office/drawing/2010/main" val="0"/>
+              </a:ext>
+            </a:extLst>
+          </a:blip>
+          <a:srcRect/>
+          <a:stretch>
+            <a:fillRect/>
+          </a:stretch>
+        </p:blipFill>
+        <p:spPr bwMode="auto">
+          <a:xfrm>
+            <a:off x="10853530" y="0"/>
+            <a:ext cx="1338470" cy="1338470"/>
+          </a:xfrm>
+          <a:prstGeom prst="rect">
+            <a:avLst/>
+          </a:prstGeom>
+          <a:noFill/>
+          <a:extLst>
+            <a:ext uri="{909E8E84-426E-40DD-AFC4-6F175D3DCCD1}">
+              <a14:hiddenFill xmlns:a14="http://schemas.microsoft.com/office/drawing/2010/main">
+                <a:solidFill>
+                  <a:srgbClr val="FFFFFF"/>
+                </a:solidFill>
+              </a14:hiddenFill>
+            </a:ext>
+          </a:extLst>
+        </p:spPr>
+      </p:pic>
     </p:spTree>
     <p:extLst>
       <p:ext uri="{BB962C8B-B14F-4D97-AF65-F5344CB8AC3E}">
-        <p14:creationId xmlns:p14="http://schemas.microsoft.com/office/powerpoint/2010/main" val="199738766"/>
+        <p14:creationId xmlns:p14="http://schemas.microsoft.com/office/powerpoint/2010/main" val="4077567264"/>
       </p:ext>
     </p:extLst>
   </p:cSld>
   <p:clrMapOvr>
     <a:masterClrMapping/>
   </p:clrMapOvr>
-  <p:timing>
-    <p:tnLst>
-      <p:par>
-        <p:cTn id="1" dur="indefinite" restart="never" nodeType="tmRoot"/>
-      </p:par>
-    </p:tnLst>
-  </p:timing>
 </p:sld>
 </file>
 
-<file path=ppt/slides/slide11.xml><?xml version="1.0" encoding="utf-8"?>
+<file path=ppt/slides/slide4.xml><?xml version="1.0" encoding="utf-8"?>
 <p:sld xmlns:a="http://schemas.openxmlformats.org/drawingml/2006/main" xmlns:r="http://schemas.openxmlformats.org/officeDocument/2006/relationships" xmlns:p="http://schemas.openxmlformats.org/presentationml/2006/main">
   <p:cSld>
     <p:spTree>
@@ -6615,21 +7029,29 @@
         <p:spPr/>
         <p:txBody>
           <a:bodyPr>
-            <a:normAutofit/>
+            <a:normAutofit fontScale="90000"/>
           </a:bodyPr>
           <a:lstStyle/>
           <a:p>
             <a:r>
-              <a:rPr lang="en-US" dirty="0" err="1" smtClean="0"/>
-              <a:t>Métodos</a:t>
+              <a:rPr lang="en-US" dirty="0" err="1"/>
+              <a:t>Tipos</a:t>
             </a:r>
             <a:r>
-              <a:rPr lang="en-US" dirty="0" smtClean="0"/>
+              <a:rPr lang="en-US" dirty="0"/>
               <a:t> de </a:t>
             </a:r>
             <a:r>
-              <a:rPr lang="en-US" dirty="0" err="1" smtClean="0"/>
-              <a:t>cálculo</a:t>
+              <a:rPr lang="en-US" dirty="0" err="1"/>
+              <a:t>opciones</a:t>
+            </a:r>
+            <a:r>
+              <a:rPr lang="en-US" dirty="0"/>
+              <a:t> </a:t>
+            </a:r>
+            <a:r>
+              <a:rPr lang="en-US" dirty="0" err="1"/>
+              <a:t>reales</a:t>
             </a:r>
             <a:endParaRPr lang="en-US" dirty="0"/>
           </a:p>
@@ -6647,26 +7069,20 @@
         </p:nvSpPr>
         <p:spPr/>
         <p:txBody>
-          <a:bodyPr>
-            <a:normAutofit fontScale="77500" lnSpcReduction="20000"/>
-          </a:bodyPr>
+          <a:bodyPr/>
           <a:lstStyle/>
           <a:p>
             <a:r>
-              <a:rPr lang="en-US" dirty="0" smtClean="0"/>
-              <a:t>Arboles de </a:t>
+              <a:rPr lang="en-US" dirty="0" err="1"/>
+              <a:t>Opciones</a:t>
             </a:r>
             <a:r>
-              <a:rPr lang="en-US" dirty="0" err="1" smtClean="0"/>
-              <a:t>decisión</a:t>
-            </a:r>
-            <a:r>
-              <a:rPr lang="en-US" dirty="0" smtClean="0"/>
+              <a:rPr lang="en-US" dirty="0"/>
               <a:t> </a:t>
             </a:r>
             <a:r>
-              <a:rPr lang="en-US" dirty="0" err="1" smtClean="0"/>
-              <a:t>binomiales</a:t>
+              <a:rPr lang="en-US" dirty="0" err="1"/>
+              <a:t>secuenciales</a:t>
             </a:r>
             <a:endParaRPr lang="en-US" dirty="0"/>
           </a:p>
@@ -6684,22 +7100,20 @@
         </p:nvSpPr>
         <p:spPr/>
         <p:txBody>
-          <a:bodyPr>
-            <a:normAutofit/>
-          </a:bodyPr>
+          <a:bodyPr/>
           <a:lstStyle/>
           <a:p>
             <a:r>
-              <a:rPr lang="en-US" dirty="0" err="1" smtClean="0"/>
-              <a:t>Modelos</a:t>
+              <a:rPr lang="en-US" dirty="0" err="1"/>
+              <a:t>Opción</a:t>
             </a:r>
             <a:r>
-              <a:rPr lang="en-US" dirty="0" smtClean="0"/>
-              <a:t> </a:t>
+              <a:rPr lang="en-US" dirty="0"/>
+              <a:t> de </a:t>
             </a:r>
             <a:r>
-              <a:rPr lang="en-US" dirty="0" err="1" smtClean="0"/>
-              <a:t>binomiales</a:t>
+              <a:rPr lang="en-US" dirty="0" err="1"/>
+              <a:t>abandonar</a:t>
             </a:r>
             <a:endParaRPr lang="en-US" dirty="0"/>
           </a:p>
@@ -6721,64 +7135,140 @@
           <a:lstStyle/>
           <a:p>
             <a:r>
-              <a:rPr lang="en-US" dirty="0" smtClean="0"/>
-              <a:t>Se </a:t>
+              <a:rPr lang="en-US" dirty="0"/>
+              <a:t>Los </a:t>
             </a:r>
             <a:r>
-              <a:rPr lang="en-US" dirty="0" err="1" smtClean="0"/>
-              <a:t>basan</a:t>
+              <a:rPr lang="en-US" dirty="0" err="1"/>
+              <a:t>proyectos</a:t>
             </a:r>
             <a:r>
-              <a:rPr lang="en-US" dirty="0" smtClean="0"/>
-              <a:t> en la </a:t>
+              <a:rPr lang="en-US" dirty="0"/>
+              <a:t> en los </a:t>
             </a:r>
             <a:r>
-              <a:rPr lang="en-US" dirty="0" err="1" smtClean="0"/>
-              <a:t>dinámica</a:t>
+              <a:rPr lang="en-US" dirty="0" err="1"/>
+              <a:t>que</a:t>
             </a:r>
             <a:r>
-              <a:rPr lang="en-US" dirty="0" smtClean="0"/>
-              <a:t> del </a:t>
+              <a:rPr lang="en-US" dirty="0"/>
+              <a:t> </a:t>
             </a:r>
             <a:r>
-              <a:rPr lang="en-US" dirty="0" err="1" smtClean="0"/>
-              <a:t>arbol</a:t>
+              <a:rPr lang="en-US" dirty="0" err="1"/>
+              <a:t>existe</a:t>
             </a:r>
             <a:r>
-              <a:rPr lang="en-US" dirty="0" smtClean="0"/>
+              <a:rPr lang="en-US" dirty="0"/>
+              <a:t> </a:t>
+            </a:r>
+            <a:r>
+              <a:rPr lang="en-US" dirty="0" err="1"/>
+              <a:t>una</a:t>
+            </a:r>
+            <a:r>
+              <a:rPr lang="en-US" dirty="0"/>
+              <a:t> inversion </a:t>
+            </a:r>
+            <a:r>
+              <a:rPr lang="en-US" dirty="0" err="1"/>
+              <a:t>secuencial</a:t>
+            </a:r>
+            <a:r>
+              <a:rPr lang="en-US" dirty="0"/>
+              <a:t>, </a:t>
+            </a:r>
+            <a:r>
+              <a:rPr lang="en-US" dirty="0" err="1"/>
+              <a:t>nos</a:t>
+            </a:r>
+            <a:r>
+              <a:rPr lang="en-US" dirty="0"/>
+              <a:t> </a:t>
+            </a:r>
+            <a:r>
+              <a:rPr lang="en-US" dirty="0" err="1"/>
+              <a:t>permite</a:t>
+            </a:r>
+            <a:r>
+              <a:rPr lang="en-US" dirty="0"/>
+              <a:t> </a:t>
+            </a:r>
+            <a:r>
+              <a:rPr lang="en-US" dirty="0" err="1"/>
+              <a:t>abandonar</a:t>
+            </a:r>
+            <a:r>
+              <a:rPr lang="en-US" dirty="0"/>
+              <a:t> el </a:t>
+            </a:r>
+            <a:r>
+              <a:rPr lang="en-US" dirty="0" err="1"/>
+              <a:t>proyecto</a:t>
+            </a:r>
+            <a:r>
+              <a:rPr lang="en-US" dirty="0"/>
+              <a:t> en el </a:t>
+            </a:r>
+            <a:r>
+              <a:rPr lang="en-US" dirty="0" err="1"/>
+              <a:t>caso</a:t>
+            </a:r>
+            <a:r>
+              <a:rPr lang="en-US" dirty="0"/>
               <a:t> de </a:t>
             </a:r>
             <a:r>
-              <a:rPr lang="en-US" dirty="0" err="1" smtClean="0"/>
-              <a:t>desición</a:t>
+              <a:rPr lang="en-US" dirty="0" err="1"/>
+              <a:t>que</a:t>
             </a:r>
             <a:r>
-              <a:rPr lang="en-US" dirty="0" smtClean="0"/>
-              <a:t>, </a:t>
+              <a:rPr lang="en-US" dirty="0"/>
+              <a:t> la </a:t>
             </a:r>
             <a:r>
-              <a:rPr lang="en-US" dirty="0" err="1" smtClean="0"/>
-              <a:t>pero</a:t>
+              <a:rPr lang="en-US" dirty="0" err="1"/>
+              <a:t>información</a:t>
             </a:r>
             <a:r>
-              <a:rPr lang="en-US" dirty="0" smtClean="0"/>
+              <a:rPr lang="en-US" dirty="0"/>
               <a:t> </a:t>
             </a:r>
             <a:r>
-              <a:rPr lang="en-US" dirty="0" err="1" smtClean="0"/>
-              <a:t>adaptada</a:t>
+              <a:rPr lang="en-US" dirty="0" err="1"/>
+              <a:t>que</a:t>
             </a:r>
             <a:r>
-              <a:rPr lang="en-US" dirty="0" smtClean="0"/>
-              <a:t> a un </a:t>
+              <a:rPr lang="en-US" dirty="0"/>
+              <a:t> se </a:t>
             </a:r>
             <a:r>
-              <a:rPr lang="en-US" dirty="0" err="1" smtClean="0"/>
-              <a:t>modelo</a:t>
+              <a:rPr lang="en-US" dirty="0" err="1"/>
+              <a:t>va</a:t>
             </a:r>
             <a:r>
-              <a:rPr lang="en-US" dirty="0" smtClean="0"/>
-              <a:t> binomial</a:t>
+              <a:rPr lang="en-US" dirty="0"/>
+              <a:t> </a:t>
+            </a:r>
+            <a:r>
+              <a:rPr lang="en-US" dirty="0" err="1"/>
+              <a:t>desvelando</a:t>
+            </a:r>
+            <a:r>
+              <a:rPr lang="en-US" dirty="0"/>
+              <a:t> en el </a:t>
+            </a:r>
+            <a:r>
+              <a:rPr lang="en-US" dirty="0" err="1"/>
+              <a:t>proceso</a:t>
+            </a:r>
+            <a:r>
+              <a:rPr lang="en-US" dirty="0"/>
+              <a:t> no sea </a:t>
+            </a:r>
+            <a:r>
+              <a:rPr lang="en-US" dirty="0" err="1"/>
+              <a:t>positiva</a:t>
             </a:r>
             <a:endParaRPr lang="en-US" dirty="0"/>
           </a:p>
@@ -6796,110 +7286,141 @@
         </p:nvSpPr>
         <p:spPr/>
         <p:txBody>
-          <a:bodyPr>
-            <a:normAutofit/>
-          </a:bodyPr>
+          <a:bodyPr/>
           <a:lstStyle/>
           <a:p>
             <a:r>
-              <a:rPr lang="en-US" dirty="0" err="1" smtClean="0"/>
-              <a:t>Implica</a:t>
+              <a:rPr lang="en-US" dirty="0"/>
+              <a:t>En el </a:t>
             </a:r>
             <a:r>
-              <a:rPr lang="en-US" dirty="0" smtClean="0"/>
-              <a:t> </a:t>
+              <a:rPr lang="en-US" dirty="0" err="1"/>
+              <a:t>caso</a:t>
             </a:r>
             <a:r>
-              <a:rPr lang="en-US" dirty="0" err="1" smtClean="0"/>
-              <a:t>calcular</a:t>
+              <a:rPr lang="en-US" dirty="0"/>
+              <a:t> de </a:t>
             </a:r>
             <a:r>
-              <a:rPr lang="en-US" dirty="0" smtClean="0"/>
+              <a:rPr lang="en-US" dirty="0" err="1"/>
+              <a:t>que</a:t>
+            </a:r>
+            <a:r>
+              <a:rPr lang="en-US" dirty="0"/>
+              <a:t> el valor del </a:t>
+            </a:r>
+            <a:r>
+              <a:rPr lang="en-US" dirty="0" err="1"/>
+              <a:t>proyecto</a:t>
+            </a:r>
+            <a:r>
+              <a:rPr lang="en-US" dirty="0"/>
+              <a:t> sea </a:t>
+            </a:r>
+            <a:r>
+              <a:rPr lang="en-US" dirty="0" err="1"/>
+              <a:t>menor</a:t>
+            </a:r>
+            <a:r>
+              <a:rPr lang="en-US" dirty="0"/>
+              <a:t> al </a:t>
+            </a:r>
+            <a:r>
+              <a:rPr lang="en-US" dirty="0" err="1"/>
+              <a:t>esperado</a:t>
+            </a:r>
+            <a:r>
+              <a:rPr lang="en-US" dirty="0"/>
+              <a:t>, </a:t>
+            </a:r>
+            <a:r>
+              <a:rPr lang="en-US" dirty="0" err="1"/>
+              <a:t>existe</a:t>
+            </a:r>
+            <a:r>
+              <a:rPr lang="en-US" dirty="0"/>
               <a:t> la </a:t>
             </a:r>
             <a:r>
-              <a:rPr lang="en-US" dirty="0" err="1" smtClean="0"/>
-              <a:t>volatibilidad</a:t>
+              <a:rPr lang="en-US" dirty="0" err="1"/>
+              <a:t>posibilidad</a:t>
             </a:r>
             <a:r>
-              <a:rPr lang="en-US" dirty="0" smtClean="0"/>
-              <a:t> del </a:t>
+              <a:rPr lang="en-US" dirty="0"/>
+              <a:t> de </a:t>
             </a:r>
             <a:r>
-              <a:rPr lang="en-US" dirty="0" err="1" smtClean="0"/>
-              <a:t>activo</a:t>
+              <a:rPr lang="en-US" dirty="0" err="1"/>
+              <a:t>abandonarlo</a:t>
             </a:r>
             <a:r>
-              <a:rPr lang="en-US" dirty="0" smtClean="0"/>
-              <a:t> </a:t>
+              <a:rPr lang="en-US" dirty="0"/>
+              <a:t>.</a:t>
             </a:r>
-            <a:r>
-              <a:rPr lang="en-US" dirty="0" err="1" smtClean="0"/>
-              <a:t>subyacente</a:t>
-            </a:r>
-            <a:endParaRPr lang="en-US" dirty="0"/>
           </a:p>
         </p:txBody>
       </p:sp>
-      <p:sp>
-        <p:nvSpPr>
-          <p:cNvPr id="7" name="Text Placeholder 6"/>
-          <p:cNvSpPr>
-            <a:spLocks noGrp="1"/>
-          </p:cNvSpPr>
-          <p:nvPr>
-            <p:ph type="body" sz="quarter" idx="17"/>
-          </p:nvPr>
-        </p:nvSpPr>
-        <p:spPr/>
-        <p:txBody>
-          <a:bodyPr/>
-          <a:lstStyle/>
-          <a:p>
-            <a:endParaRPr lang="en-US" dirty="0"/>
-          </a:p>
-        </p:txBody>
-      </p:sp>
-      <p:sp>
-        <p:nvSpPr>
-          <p:cNvPr id="8" name="Text Placeholder 7"/>
-          <p:cNvSpPr>
-            <a:spLocks noGrp="1"/>
-          </p:cNvSpPr>
-          <p:nvPr>
-            <p:ph type="body" sz="quarter" idx="18"/>
-          </p:nvPr>
-        </p:nvSpPr>
-        <p:spPr/>
-        <p:txBody>
-          <a:bodyPr/>
-          <a:lstStyle/>
-          <a:p>
-            <a:endParaRPr lang="en-US"/>
-          </a:p>
-        </p:txBody>
-      </p:sp>
+      <p:pic>
+        <p:nvPicPr>
+          <p:cNvPr id="8" name="Picture 2" descr="LogoUPC.png">
+            <a:extLst>
+              <a:ext uri="{FF2B5EF4-FFF2-40B4-BE49-F238E27FC236}">
+                <a16:creationId xmlns:a16="http://schemas.microsoft.com/office/drawing/2014/main" id="{3789617A-1FC7-4355-A747-01EB8EF77DED}"/>
+              </a:ext>
+            </a:extLst>
+          </p:cNvPr>
+          <p:cNvPicPr>
+            <a:picLocks noChangeAspect="1" noChangeArrowheads="1"/>
+          </p:cNvPicPr>
+          <p:nvPr/>
+        </p:nvPicPr>
+        <p:blipFill>
+          <a:blip r:embed="rId2">
+            <a:extLst>
+              <a:ext uri="{28A0092B-C50C-407E-A947-70E740481C1C}">
+                <a14:useLocalDpi xmlns:a14="http://schemas.microsoft.com/office/drawing/2010/main" val="0"/>
+              </a:ext>
+            </a:extLst>
+          </a:blip>
+          <a:srcRect/>
+          <a:stretch>
+            <a:fillRect/>
+          </a:stretch>
+        </p:blipFill>
+        <p:spPr bwMode="auto">
+          <a:xfrm>
+            <a:off x="10853530" y="0"/>
+            <a:ext cx="1338470" cy="1338470"/>
+          </a:xfrm>
+          <a:prstGeom prst="rect">
+            <a:avLst/>
+          </a:prstGeom>
+          <a:noFill/>
+          <a:extLst>
+            <a:ext uri="{909E8E84-426E-40DD-AFC4-6F175D3DCCD1}">
+              <a14:hiddenFill xmlns:a14="http://schemas.microsoft.com/office/drawing/2010/main">
+                <a:solidFill>
+                  <a:srgbClr val="FFFFFF"/>
+                </a:solidFill>
+              </a14:hiddenFill>
+            </a:ext>
+          </a:extLst>
+        </p:spPr>
+      </p:pic>
     </p:spTree>
     <p:extLst>
       <p:ext uri="{BB962C8B-B14F-4D97-AF65-F5344CB8AC3E}">
-        <p14:creationId xmlns:p14="http://schemas.microsoft.com/office/powerpoint/2010/main" val="34137205"/>
+        <p14:creationId xmlns:p14="http://schemas.microsoft.com/office/powerpoint/2010/main" val="379674774"/>
       </p:ext>
     </p:extLst>
   </p:cSld>
   <p:clrMapOvr>
     <a:masterClrMapping/>
   </p:clrMapOvr>
-  <p:timing>
-    <p:tnLst>
-      <p:par>
-        <p:cTn id="1" dur="indefinite" restart="never" nodeType="tmRoot"/>
-      </p:par>
-    </p:tnLst>
-  </p:timing>
 </p:sld>
 </file>
 
-<file path=ppt/slides/slide12.xml><?xml version="1.0" encoding="utf-8"?>
+<file path=ppt/slides/slide5.xml><?xml version="1.0" encoding="utf-8"?>
 <p:sld xmlns:a="http://schemas.openxmlformats.org/drawingml/2006/main" xmlns:r="http://schemas.openxmlformats.org/officeDocument/2006/relationships" xmlns:p="http://schemas.openxmlformats.org/presentationml/2006/main">
   <p:cSld>
     <p:spTree>
@@ -6929,465 +7450,323 @@
         <p:spPr/>
         <p:txBody>
           <a:bodyPr>
-            <a:normAutofit/>
+            <a:normAutofit fontScale="90000"/>
           </a:bodyPr>
           <a:lstStyle/>
           <a:p>
+            <a:pPr algn="ctr"/>
             <a:r>
-              <a:rPr lang="en-US" dirty="0" err="1" smtClean="0"/>
-              <a:t>Métodos</a:t>
-            </a:r>
-            <a:r>
-              <a:rPr lang="en-US" dirty="0" smtClean="0"/>
-              <a:t> de </a:t>
-            </a:r>
-            <a:r>
-              <a:rPr lang="en-US" dirty="0" err="1" smtClean="0"/>
-              <a:t>cálculo</a:t>
+              <a:rPr lang="es-PE" dirty="0"/>
+              <a:t>Valor Actual Neto (VAN o VPN)</a:t>
             </a:r>
             <a:endParaRPr lang="en-US" dirty="0"/>
           </a:p>
         </p:txBody>
       </p:sp>
+      <p:pic>
+        <p:nvPicPr>
+          <p:cNvPr id="4" name="Marcador de contenido 3"/>
+          <p:cNvPicPr>
+            <a:picLocks noGrp="1" noChangeAspect="1"/>
+          </p:cNvPicPr>
+          <p:nvPr>
+            <p:ph sz="quarter" idx="13"/>
+          </p:nvPr>
+        </p:nvPicPr>
+        <p:blipFill>
+          <a:blip r:embed="rId2">
+            <a:extLst>
+              <a:ext uri="{28A0092B-C50C-407E-A947-70E740481C1C}">
+                <a14:useLocalDpi xmlns:a14="http://schemas.microsoft.com/office/drawing/2010/main" val="0"/>
+              </a:ext>
+            </a:extLst>
+          </a:blip>
+          <a:stretch>
+            <a:fillRect/>
+          </a:stretch>
+        </p:blipFill>
+        <p:spPr>
+          <a:xfrm>
+            <a:off x="2507947" y="3264830"/>
+            <a:ext cx="6781800" cy="933450"/>
+          </a:xfrm>
+        </p:spPr>
+      </p:pic>
       <p:sp>
         <p:nvSpPr>
-          <p:cNvPr id="3" name="Text Placeholder 2"/>
-          <p:cNvSpPr>
-            <a:spLocks noGrp="1"/>
-          </p:cNvSpPr>
-          <p:nvPr>
-            <p:ph type="body" sz="quarter" idx="13"/>
-          </p:nvPr>
+          <p:cNvPr id="5" name="CuadroTexto 4"/>
+          <p:cNvSpPr txBox="1"/>
+          <p:nvPr/>
         </p:nvSpPr>
-        <p:spPr/>
+        <p:spPr>
+          <a:xfrm>
+            <a:off x="1198059" y="2149419"/>
+            <a:ext cx="9401577" cy="923330"/>
+          </a:xfrm>
+          <a:prstGeom prst="rect">
+            <a:avLst/>
+          </a:prstGeom>
+          <a:noFill/>
+        </p:spPr>
         <p:txBody>
-          <a:bodyPr/>
-          <a:lstStyle/>
-          <a:p>
-            <a:r>
-              <a:rPr lang="en-US" dirty="0" err="1" smtClean="0"/>
-              <a:t>Métodos</a:t>
-            </a:r>
-            <a:r>
-              <a:rPr lang="en-US" dirty="0" smtClean="0"/>
-              <a:t> </a:t>
-            </a:r>
-            <a:r>
-              <a:rPr lang="en-US" dirty="0" err="1" smtClean="0"/>
-              <a:t>analíticos</a:t>
-            </a:r>
-            <a:endParaRPr lang="en-US" dirty="0"/>
-          </a:p>
-        </p:txBody>
-      </p:sp>
-      <p:sp>
-        <p:nvSpPr>
-          <p:cNvPr id="4" name="Text Placeholder 3"/>
-          <p:cNvSpPr>
-            <a:spLocks noGrp="1"/>
-          </p:cNvSpPr>
-          <p:nvPr>
-            <p:ph type="body" sz="quarter" idx="14"/>
-          </p:nvPr>
-        </p:nvSpPr>
-        <p:spPr/>
-        <p:txBody>
-          <a:bodyPr>
-            <a:normAutofit fontScale="77500" lnSpcReduction="20000"/>
+          <a:bodyPr wrap="square" rtlCol="0">
+            <a:spAutoFit/>
           </a:bodyPr>
           <a:lstStyle/>
           <a:p>
             <a:r>
-              <a:rPr lang="en-US" dirty="0" smtClean="0"/>
-              <a:t>Arboles de </a:t>
+              <a:rPr lang="es-PE" dirty="0">
+                <a:solidFill>
+                  <a:schemeClr val="bg1"/>
+                </a:solidFill>
+              </a:rPr>
+              <a:t>El Valor Actual neto es un método de evaluación de inversión que consiste en actualizar los cobros y pagos de un proyecto o inversión para conocer cuanto se va a ganar o perder con esa inversión.</a:t>
             </a:r>
+          </a:p>
+          <a:p>
             <a:r>
-              <a:rPr lang="en-US" dirty="0" err="1" smtClean="0"/>
-              <a:t>decisión</a:t>
+              <a:rPr lang="es-PE" dirty="0">
+                <a:solidFill>
+                  <a:schemeClr val="bg1"/>
+                </a:solidFill>
+              </a:rPr>
+              <a:t>Se asume que el flujo de caja es el esperado.</a:t>
             </a:r>
-            <a:r>
-              <a:rPr lang="en-US" dirty="0" smtClean="0"/>
-              <a:t> </a:t>
-            </a:r>
-            <a:r>
-              <a:rPr lang="en-US" dirty="0" err="1" smtClean="0"/>
-              <a:t>tradicionales</a:t>
-            </a:r>
-            <a:endParaRPr lang="en-US" dirty="0"/>
           </a:p>
         </p:txBody>
       </p:sp>
-      <p:sp>
-        <p:nvSpPr>
-          <p:cNvPr id="5" name="Content Placeholder 4"/>
-          <p:cNvSpPr>
-            <a:spLocks noGrp="1"/>
-          </p:cNvSpPr>
-          <p:nvPr>
-            <p:ph sz="quarter" idx="15"/>
-          </p:nvPr>
-        </p:nvSpPr>
-        <p:spPr/>
-        <p:txBody>
-          <a:bodyPr/>
-          <a:lstStyle/>
-          <a:p>
-            <a:r>
-              <a:rPr lang="en-US" dirty="0" smtClean="0"/>
-              <a:t>El </a:t>
-            </a:r>
-            <a:r>
-              <a:rPr lang="en-US" dirty="0" err="1" smtClean="0"/>
-              <a:t>problema</a:t>
-            </a:r>
-            <a:r>
-              <a:rPr lang="en-US" dirty="0" smtClean="0"/>
-              <a:t> con </a:t>
-            </a:r>
-            <a:r>
-              <a:rPr lang="en-US" dirty="0" err="1" smtClean="0"/>
-              <a:t>este</a:t>
-            </a:r>
-            <a:r>
-              <a:rPr lang="en-US" dirty="0" smtClean="0"/>
-              <a:t> </a:t>
-            </a:r>
-            <a:r>
-              <a:rPr lang="en-US" dirty="0" err="1" smtClean="0"/>
-              <a:t>método</a:t>
-            </a:r>
-            <a:r>
-              <a:rPr lang="en-US" dirty="0" smtClean="0"/>
-              <a:t> </a:t>
-            </a:r>
-            <a:r>
-              <a:rPr lang="en-US" dirty="0" err="1" smtClean="0"/>
-              <a:t>es</a:t>
-            </a:r>
-            <a:r>
-              <a:rPr lang="en-US" dirty="0" smtClean="0"/>
-              <a:t> </a:t>
-            </a:r>
-            <a:r>
-              <a:rPr lang="en-US" dirty="0" err="1" smtClean="0"/>
-              <a:t>que</a:t>
-            </a:r>
-            <a:r>
-              <a:rPr lang="en-US" dirty="0" smtClean="0"/>
-              <a:t> no </a:t>
-            </a:r>
-            <a:r>
-              <a:rPr lang="en-US" dirty="0" err="1" smtClean="0"/>
-              <a:t>permite</a:t>
-            </a:r>
-            <a:r>
-              <a:rPr lang="en-US" dirty="0" smtClean="0"/>
-              <a:t> </a:t>
-            </a:r>
-            <a:r>
-              <a:rPr lang="en-US" dirty="0" err="1" smtClean="0"/>
-              <a:t>modelizar</a:t>
-            </a:r>
-            <a:r>
-              <a:rPr lang="en-US" dirty="0" smtClean="0"/>
-              <a:t> </a:t>
-            </a:r>
-            <a:r>
-              <a:rPr lang="en-US" dirty="0" err="1" smtClean="0"/>
-              <a:t>todas</a:t>
-            </a:r>
-            <a:r>
-              <a:rPr lang="en-US" dirty="0" smtClean="0"/>
-              <a:t> </a:t>
-            </a:r>
-            <a:r>
-              <a:rPr lang="en-US" dirty="0" err="1" smtClean="0"/>
-              <a:t>las</a:t>
-            </a:r>
-            <a:r>
-              <a:rPr lang="en-US" dirty="0" smtClean="0"/>
-              <a:t> </a:t>
-            </a:r>
-            <a:r>
-              <a:rPr lang="en-US" dirty="0" err="1" smtClean="0"/>
-              <a:t>flexibilidades</a:t>
-            </a:r>
-            <a:r>
-              <a:rPr lang="en-US" dirty="0" smtClean="0"/>
-              <a:t> </a:t>
-            </a:r>
-            <a:r>
-              <a:rPr lang="en-US" dirty="0" err="1" smtClean="0"/>
-              <a:t>que</a:t>
-            </a:r>
-            <a:r>
-              <a:rPr lang="en-US" dirty="0" smtClean="0"/>
-              <a:t> </a:t>
-            </a:r>
-            <a:r>
-              <a:rPr lang="en-US" dirty="0" err="1" smtClean="0"/>
-              <a:t>podemos</a:t>
-            </a:r>
-            <a:r>
-              <a:rPr lang="en-US" dirty="0" smtClean="0"/>
-              <a:t> </a:t>
-            </a:r>
-            <a:r>
-              <a:rPr lang="en-US" dirty="0" err="1" smtClean="0"/>
-              <a:t>encontrar</a:t>
-            </a:r>
-            <a:r>
-              <a:rPr lang="en-US" dirty="0" smtClean="0"/>
-              <a:t> en </a:t>
-            </a:r>
-            <a:r>
-              <a:rPr lang="en-US" dirty="0" err="1" smtClean="0"/>
-              <a:t>proyectos</a:t>
-            </a:r>
-            <a:r>
-              <a:rPr lang="en-US" dirty="0" smtClean="0"/>
-              <a:t> con </a:t>
-            </a:r>
-            <a:r>
-              <a:rPr lang="en-US" dirty="0" err="1" smtClean="0"/>
-              <a:t>alta</a:t>
-            </a:r>
-            <a:r>
-              <a:rPr lang="en-US" dirty="0" smtClean="0"/>
-              <a:t> </a:t>
-            </a:r>
-            <a:r>
-              <a:rPr lang="en-US" dirty="0" err="1" smtClean="0"/>
-              <a:t>incertidumbre</a:t>
-            </a:r>
-            <a:endParaRPr lang="en-US" dirty="0"/>
-          </a:p>
-        </p:txBody>
-      </p:sp>
-      <p:sp>
-        <p:nvSpPr>
-          <p:cNvPr id="6" name="Content Placeholder 5"/>
-          <p:cNvSpPr>
-            <a:spLocks noGrp="1"/>
-          </p:cNvSpPr>
-          <p:nvPr>
-            <p:ph sz="quarter" idx="16"/>
-          </p:nvPr>
-        </p:nvSpPr>
-        <p:spPr/>
-        <p:txBody>
-          <a:bodyPr>
-            <a:normAutofit lnSpcReduction="10000"/>
-          </a:bodyPr>
-          <a:lstStyle/>
-          <a:p>
-            <a:r>
-              <a:rPr lang="en-US" dirty="0" smtClean="0"/>
-              <a:t>No se </a:t>
-            </a:r>
-            <a:r>
-              <a:rPr lang="en-US" dirty="0" err="1" smtClean="0"/>
-              <a:t>pueden</a:t>
-            </a:r>
-            <a:r>
-              <a:rPr lang="en-US" dirty="0" smtClean="0"/>
-              <a:t> </a:t>
-            </a:r>
-            <a:r>
-              <a:rPr lang="en-US" dirty="0" err="1" smtClean="0"/>
-              <a:t>utilizar</a:t>
-            </a:r>
-            <a:r>
-              <a:rPr lang="en-US" dirty="0" smtClean="0"/>
-              <a:t> para </a:t>
-            </a:r>
-            <a:r>
-              <a:rPr lang="en-US" dirty="0" err="1" smtClean="0"/>
-              <a:t>valorar</a:t>
-            </a:r>
-            <a:r>
-              <a:rPr lang="en-US" dirty="0" smtClean="0"/>
-              <a:t> </a:t>
-            </a:r>
-            <a:r>
-              <a:rPr lang="en-US" dirty="0" err="1" smtClean="0"/>
-              <a:t>opciones</a:t>
-            </a:r>
-            <a:r>
-              <a:rPr lang="en-US" dirty="0" smtClean="0"/>
-              <a:t>, </a:t>
-            </a:r>
-            <a:r>
-              <a:rPr lang="en-US" dirty="0" err="1" smtClean="0"/>
-              <a:t>ya</a:t>
-            </a:r>
-            <a:r>
-              <a:rPr lang="en-US" dirty="0" smtClean="0"/>
-              <a:t> </a:t>
-            </a:r>
-            <a:r>
-              <a:rPr lang="en-US" dirty="0" err="1" smtClean="0"/>
-              <a:t>que</a:t>
-            </a:r>
-            <a:r>
-              <a:rPr lang="en-US" dirty="0" smtClean="0"/>
-              <a:t> el </a:t>
-            </a:r>
-            <a:r>
-              <a:rPr lang="en-US" dirty="0" err="1" smtClean="0"/>
-              <a:t>riesgo</a:t>
-            </a:r>
-            <a:r>
-              <a:rPr lang="en-US" dirty="0" smtClean="0"/>
-              <a:t> del </a:t>
-            </a:r>
-            <a:r>
-              <a:rPr lang="en-US" dirty="0" err="1" smtClean="0"/>
-              <a:t>proyecto</a:t>
-            </a:r>
-            <a:r>
-              <a:rPr lang="en-US" dirty="0" smtClean="0"/>
-              <a:t> </a:t>
-            </a:r>
-            <a:r>
-              <a:rPr lang="en-US" dirty="0" err="1" smtClean="0"/>
-              <a:t>varía</a:t>
-            </a:r>
-            <a:r>
-              <a:rPr lang="en-US" dirty="0" smtClean="0"/>
-              <a:t> con </a:t>
-            </a:r>
-            <a:r>
-              <a:rPr lang="en-US" dirty="0" err="1" smtClean="0"/>
-              <a:t>cada</a:t>
-            </a:r>
-            <a:r>
-              <a:rPr lang="en-US" dirty="0" smtClean="0"/>
-              <a:t> decision y para </a:t>
-            </a:r>
-            <a:r>
-              <a:rPr lang="en-US" dirty="0" err="1" smtClean="0"/>
-              <a:t>cada</a:t>
-            </a:r>
-            <a:r>
-              <a:rPr lang="en-US" dirty="0" smtClean="0"/>
-              <a:t> </a:t>
-            </a:r>
-            <a:r>
-              <a:rPr lang="en-US" dirty="0" err="1" smtClean="0"/>
-              <a:t>nodo</a:t>
-            </a:r>
-            <a:r>
-              <a:rPr lang="en-US" dirty="0" smtClean="0"/>
-              <a:t> hay </a:t>
-            </a:r>
-            <a:r>
-              <a:rPr lang="en-US" dirty="0" err="1" smtClean="0"/>
-              <a:t>que</a:t>
-            </a:r>
-            <a:r>
-              <a:rPr lang="en-US" dirty="0" smtClean="0"/>
-              <a:t> </a:t>
-            </a:r>
-            <a:r>
-              <a:rPr lang="en-US" dirty="0" err="1" smtClean="0"/>
-              <a:t>ajustar</a:t>
-            </a:r>
-            <a:r>
-              <a:rPr lang="en-US" dirty="0" smtClean="0"/>
-              <a:t> la </a:t>
-            </a:r>
-            <a:r>
-              <a:rPr lang="en-US" dirty="0" err="1" smtClean="0"/>
-              <a:t>tasa</a:t>
-            </a:r>
-            <a:r>
-              <a:rPr lang="en-US" dirty="0" smtClean="0"/>
-              <a:t> de </a:t>
-            </a:r>
-            <a:r>
-              <a:rPr lang="en-US" dirty="0" err="1" smtClean="0"/>
-              <a:t>descuento</a:t>
-            </a:r>
-            <a:r>
-              <a:rPr lang="en-US" dirty="0" smtClean="0"/>
-              <a:t> con </a:t>
-            </a:r>
-            <a:r>
-              <a:rPr lang="en-US" dirty="0" err="1" smtClean="0"/>
-              <a:t>riesgo</a:t>
-            </a:r>
-            <a:r>
-              <a:rPr lang="en-US" dirty="0" smtClean="0"/>
-              <a:t> del </a:t>
-            </a:r>
-            <a:r>
-              <a:rPr lang="en-US" dirty="0" err="1" smtClean="0"/>
-              <a:t>proyecto</a:t>
-            </a:r>
-            <a:endParaRPr lang="en-US" dirty="0"/>
-          </a:p>
-        </p:txBody>
-      </p:sp>
-      <p:sp>
-        <p:nvSpPr>
-          <p:cNvPr id="7" name="Text Placeholder 6"/>
-          <p:cNvSpPr>
-            <a:spLocks noGrp="1"/>
-          </p:cNvSpPr>
-          <p:nvPr>
-            <p:ph type="body" sz="quarter" idx="17"/>
-          </p:nvPr>
-        </p:nvSpPr>
-        <p:spPr/>
-        <p:txBody>
-          <a:bodyPr/>
-          <a:lstStyle/>
-          <a:p>
-            <a:endParaRPr lang="en-US" dirty="0"/>
-          </a:p>
-        </p:txBody>
-      </p:sp>
-      <p:sp>
-        <p:nvSpPr>
-          <p:cNvPr id="8" name="Text Placeholder 7"/>
-          <p:cNvSpPr>
-            <a:spLocks noGrp="1"/>
-          </p:cNvSpPr>
-          <p:nvPr>
-            <p:ph type="body" sz="quarter" idx="18"/>
-          </p:nvPr>
-        </p:nvSpPr>
-        <p:spPr/>
-        <p:txBody>
-          <a:bodyPr/>
-          <a:lstStyle/>
-          <a:p>
-            <a:endParaRPr lang="en-US"/>
-          </a:p>
-        </p:txBody>
-      </p:sp>
+      <p:pic>
+        <p:nvPicPr>
+          <p:cNvPr id="6" name="Picture 2" descr="LogoUPC.png">
+            <a:extLst>
+              <a:ext uri="{FF2B5EF4-FFF2-40B4-BE49-F238E27FC236}">
+                <a16:creationId xmlns:a16="http://schemas.microsoft.com/office/drawing/2014/main" id="{50B65132-0393-49ED-B68B-ECFFFC9C096F}"/>
+              </a:ext>
+            </a:extLst>
+          </p:cNvPr>
+          <p:cNvPicPr>
+            <a:picLocks noChangeAspect="1" noChangeArrowheads="1"/>
+          </p:cNvPicPr>
+          <p:nvPr/>
+        </p:nvPicPr>
+        <p:blipFill>
+          <a:blip r:embed="rId3">
+            <a:extLst>
+              <a:ext uri="{28A0092B-C50C-407E-A947-70E740481C1C}">
+                <a14:useLocalDpi xmlns:a14="http://schemas.microsoft.com/office/drawing/2010/main" val="0"/>
+              </a:ext>
+            </a:extLst>
+          </a:blip>
+          <a:srcRect/>
+          <a:stretch>
+            <a:fillRect/>
+          </a:stretch>
+        </p:blipFill>
+        <p:spPr bwMode="auto">
+          <a:xfrm>
+            <a:off x="10853530" y="0"/>
+            <a:ext cx="1338470" cy="1338470"/>
+          </a:xfrm>
+          <a:prstGeom prst="rect">
+            <a:avLst/>
+          </a:prstGeom>
+          <a:noFill/>
+          <a:extLst>
+            <a:ext uri="{909E8E84-426E-40DD-AFC4-6F175D3DCCD1}">
+              <a14:hiddenFill xmlns:a14="http://schemas.microsoft.com/office/drawing/2010/main">
+                <a:solidFill>
+                  <a:srgbClr val="FFFFFF"/>
+                </a:solidFill>
+              </a14:hiddenFill>
+            </a:ext>
+          </a:extLst>
+        </p:spPr>
+      </p:pic>
     </p:spTree>
     <p:extLst>
       <p:ext uri="{BB962C8B-B14F-4D97-AF65-F5344CB8AC3E}">
-        <p14:creationId xmlns:p14="http://schemas.microsoft.com/office/powerpoint/2010/main" val="174138454"/>
+        <p14:creationId xmlns:p14="http://schemas.microsoft.com/office/powerpoint/2010/main" val="1944843958"/>
       </p:ext>
     </p:extLst>
   </p:cSld>
   <p:clrMapOvr>
     <a:masterClrMapping/>
   </p:clrMapOvr>
-  <p:timing>
-    <p:tnLst>
-      <p:par>
-        <p:cTn id="1" dur="indefinite" restart="never" nodeType="tmRoot"/>
-      </p:par>
-    </p:tnLst>
-  </p:timing>
 </p:sld>
 </file>
 
-<file path=ppt/slides/slide13.xml><?xml version="1.0" encoding="utf-8"?>
+<file path=ppt/slides/slide6.xml><?xml version="1.0" encoding="utf-8"?>
+<p:sld xmlns:a="http://schemas.openxmlformats.org/drawingml/2006/main" xmlns:r="http://schemas.openxmlformats.org/officeDocument/2006/relationships" xmlns:p="http://schemas.openxmlformats.org/presentationml/2006/main">
+  <p:cSld>
+    <p:spTree>
+      <p:nvGrpSpPr>
+        <p:cNvPr id="1" name=""/>
+        <p:cNvGrpSpPr/>
+        <p:nvPr/>
+      </p:nvGrpSpPr>
+      <p:grpSpPr>
+        <a:xfrm>
+          <a:off x="0" y="0"/>
+          <a:ext cx="0" cy="0"/>
+          <a:chOff x="0" y="0"/>
+          <a:chExt cx="0" cy="0"/>
+        </a:xfrm>
+      </p:grpSpPr>
+      <p:pic>
+        <p:nvPicPr>
+          <p:cNvPr id="1026" name="Picture 2" descr="Resultado de imagen para github">
+            <a:extLst>
+              <a:ext uri="{FF2B5EF4-FFF2-40B4-BE49-F238E27FC236}">
+                <a16:creationId xmlns:a16="http://schemas.microsoft.com/office/drawing/2014/main" id="{3BB2A08F-5D64-4C5F-9D3D-FB24DB4639BF}"/>
+              </a:ext>
+            </a:extLst>
+          </p:cNvPr>
+          <p:cNvPicPr>
+            <a:picLocks noChangeAspect="1" noChangeArrowheads="1"/>
+          </p:cNvPicPr>
+          <p:nvPr/>
+        </p:nvPicPr>
+        <p:blipFill>
+          <a:blip r:embed="rId2">
+            <a:extLst>
+              <a:ext uri="{28A0092B-C50C-407E-A947-70E740481C1C}">
+                <a14:useLocalDpi xmlns:a14="http://schemas.microsoft.com/office/drawing/2010/main" val="0"/>
+              </a:ext>
+            </a:extLst>
+          </a:blip>
+          <a:srcRect/>
+          <a:stretch>
+            <a:fillRect/>
+          </a:stretch>
+        </p:blipFill>
+        <p:spPr bwMode="auto">
+          <a:xfrm>
+            <a:off x="499649" y="1076323"/>
+            <a:ext cx="5596351" cy="2074381"/>
+          </a:xfrm>
+          <a:prstGeom prst="rect">
+            <a:avLst/>
+          </a:prstGeom>
+          <a:noFill/>
+          <a:extLst>
+            <a:ext uri="{909E8E84-426E-40DD-AFC4-6F175D3DCCD1}">
+              <a14:hiddenFill xmlns:a14="http://schemas.microsoft.com/office/drawing/2010/main">
+                <a:solidFill>
+                  <a:srgbClr val="FFFFFF"/>
+                </a:solidFill>
+              </a14:hiddenFill>
+            </a:ext>
+          </a:extLst>
+        </p:spPr>
+      </p:pic>
+      <p:pic>
+        <p:nvPicPr>
+          <p:cNvPr id="1028" name="Picture 4" descr="Resultado de imagen para scrum">
+            <a:extLst>
+              <a:ext uri="{FF2B5EF4-FFF2-40B4-BE49-F238E27FC236}">
+                <a16:creationId xmlns:a16="http://schemas.microsoft.com/office/drawing/2014/main" id="{28B11FB4-AA65-453C-B57C-48193A7DCBAE}"/>
+              </a:ext>
+            </a:extLst>
+          </p:cNvPr>
+          <p:cNvPicPr>
+            <a:picLocks noChangeAspect="1" noChangeArrowheads="1"/>
+          </p:cNvPicPr>
+          <p:nvPr/>
+        </p:nvPicPr>
+        <p:blipFill>
+          <a:blip r:embed="rId3">
+            <a:extLst>
+              <a:ext uri="{28A0092B-C50C-407E-A947-70E740481C1C}">
+                <a14:useLocalDpi xmlns:a14="http://schemas.microsoft.com/office/drawing/2010/main" val="0"/>
+              </a:ext>
+            </a:extLst>
+          </a:blip>
+          <a:srcRect/>
+          <a:stretch>
+            <a:fillRect/>
+          </a:stretch>
+        </p:blipFill>
+        <p:spPr bwMode="auto">
+          <a:xfrm>
+            <a:off x="6096000" y="3359281"/>
+            <a:ext cx="4896472" cy="2279085"/>
+          </a:xfrm>
+          <a:prstGeom prst="rect">
+            <a:avLst/>
+          </a:prstGeom>
+          <a:noFill/>
+          <a:extLst>
+            <a:ext uri="{909E8E84-426E-40DD-AFC4-6F175D3DCCD1}">
+              <a14:hiddenFill xmlns:a14="http://schemas.microsoft.com/office/drawing/2010/main">
+                <a:solidFill>
+                  <a:srgbClr val="FFFFFF"/>
+                </a:solidFill>
+              </a14:hiddenFill>
+            </a:ext>
+          </a:extLst>
+        </p:spPr>
+      </p:pic>
+      <p:pic>
+        <p:nvPicPr>
+          <p:cNvPr id="5" name="Picture 2" descr="LogoUPC.png">
+            <a:extLst>
+              <a:ext uri="{FF2B5EF4-FFF2-40B4-BE49-F238E27FC236}">
+                <a16:creationId xmlns:a16="http://schemas.microsoft.com/office/drawing/2014/main" id="{7773DD26-6162-4CD7-B898-21237FB29A19}"/>
+              </a:ext>
+            </a:extLst>
+          </p:cNvPr>
+          <p:cNvPicPr>
+            <a:picLocks noChangeAspect="1" noChangeArrowheads="1"/>
+          </p:cNvPicPr>
+          <p:nvPr/>
+        </p:nvPicPr>
+        <p:blipFill>
+          <a:blip r:embed="rId4">
+            <a:extLst>
+              <a:ext uri="{28A0092B-C50C-407E-A947-70E740481C1C}">
+                <a14:useLocalDpi xmlns:a14="http://schemas.microsoft.com/office/drawing/2010/main" val="0"/>
+              </a:ext>
+            </a:extLst>
+          </a:blip>
+          <a:srcRect/>
+          <a:stretch>
+            <a:fillRect/>
+          </a:stretch>
+        </p:blipFill>
+        <p:spPr bwMode="auto">
+          <a:xfrm>
+            <a:off x="10853530" y="0"/>
+            <a:ext cx="1338470" cy="1338470"/>
+          </a:xfrm>
+          <a:prstGeom prst="rect">
+            <a:avLst/>
+          </a:prstGeom>
+          <a:noFill/>
+          <a:extLst>
+            <a:ext uri="{909E8E84-426E-40DD-AFC4-6F175D3DCCD1}">
+              <a14:hiddenFill xmlns:a14="http://schemas.microsoft.com/office/drawing/2010/main">
+                <a:solidFill>
+                  <a:srgbClr val="FFFFFF"/>
+                </a:solidFill>
+              </a14:hiddenFill>
+            </a:ext>
+          </a:extLst>
+        </p:spPr>
+      </p:pic>
+    </p:spTree>
+    <p:extLst>
+      <p:ext uri="{BB962C8B-B14F-4D97-AF65-F5344CB8AC3E}">
+        <p14:creationId xmlns:p14="http://schemas.microsoft.com/office/powerpoint/2010/main" val="1517087407"/>
+      </p:ext>
+    </p:extLst>
+  </p:cSld>
+  <p:clrMapOvr>
+    <a:masterClrMapping/>
+  </p:clrMapOvr>
+</p:sld>
+</file>
+
+<file path=ppt/slides/slide7.xml><?xml version="1.0" encoding="utf-8"?>
 <p:sld xmlns:a="http://schemas.openxmlformats.org/drawingml/2006/main" xmlns:r="http://schemas.openxmlformats.org/officeDocument/2006/relationships" xmlns:p="http://schemas.openxmlformats.org/presentationml/2006/main">
   <p:cSld>
     <p:spTree>
@@ -7447,7 +7826,7 @@
           <a:p>
             <a:pPr algn="ctr"/>
             <a:r>
-              <a:rPr lang="es-PE" sz="2800" b="1" dirty="0" smtClean="0">
+              <a:rPr lang="es-PE" sz="2800" b="1" dirty="0">
                 <a:solidFill>
                   <a:schemeClr val="tx1">
                     <a:lumMod val="75000"/>
@@ -7457,14 +7836,6 @@
               </a:rPr>
               <a:t>Tablero de Scrum</a:t>
             </a:r>
-            <a:endParaRPr lang="es-PE" sz="2800" b="1" dirty="0">
-              <a:solidFill>
-                <a:schemeClr val="tx1">
-                  <a:lumMod val="75000"/>
-                  <a:lumOff val="25000"/>
-                </a:schemeClr>
-              </a:solidFill>
-            </a:endParaRPr>
           </a:p>
         </p:txBody>
       </p:sp>
@@ -7502,14 +7873,6 @@
               </a:rPr>
               <a:t>Trabajo final – Opciones Reales</a:t>
             </a:r>
-            <a:endParaRPr lang="es-PE" sz="1600" dirty="0">
-              <a:solidFill>
-                <a:schemeClr val="tx1">
-                  <a:lumMod val="75000"/>
-                  <a:lumOff val="25000"/>
-                </a:schemeClr>
-              </a:solidFill>
-            </a:endParaRPr>
           </a:p>
         </p:txBody>
       </p:sp>
@@ -7737,7 +8100,7 @@
         </p:nvSpPr>
         <p:spPr>
           <a:xfrm>
-            <a:off x="1785441" y="954110"/>
+            <a:off x="1792376" y="954110"/>
             <a:ext cx="1371600" cy="762000"/>
           </a:xfrm>
           <a:prstGeom prst="rect">
@@ -7795,21 +8158,6 @@
               </a:rPr>
               <a:t>Historia</a:t>
             </a:r>
-            <a:endParaRPr lang="es-PE" b="1" dirty="0">
-              <a:solidFill>
-                <a:prstClr val="black">
-                  <a:lumMod val="65000"/>
-                  <a:lumOff val="35000"/>
-                </a:prstClr>
-              </a:solidFill>
-              <a:effectLst>
-                <a:outerShdw blurRad="63500" sx="102000" sy="102000" algn="ctr" rotWithShape="0">
-                  <a:prstClr val="white">
-                    <a:alpha val="40000"/>
-                  </a:prstClr>
-                </a:outerShdw>
-              </a:effectLst>
-            </a:endParaRPr>
           </a:p>
         </p:txBody>
       </p:sp>
@@ -7879,21 +8227,6 @@
               </a:rPr>
               <a:t>Hacer</a:t>
             </a:r>
-            <a:endParaRPr lang="es-PE" b="1" dirty="0">
-              <a:solidFill>
-                <a:prstClr val="black">
-                  <a:lumMod val="65000"/>
-                  <a:lumOff val="35000"/>
-                </a:prstClr>
-              </a:solidFill>
-              <a:effectLst>
-                <a:outerShdw blurRad="63500" sx="102000" sy="102000" algn="ctr" rotWithShape="0">
-                  <a:prstClr val="white">
-                    <a:alpha val="40000"/>
-                  </a:prstClr>
-                </a:outerShdw>
-              </a:effectLst>
-            </a:endParaRPr>
           </a:p>
         </p:txBody>
       </p:sp>
@@ -7963,21 +8296,6 @@
               </a:rPr>
               <a:t>En Progreso</a:t>
             </a:r>
-            <a:endParaRPr lang="es-PE" b="1" dirty="0">
-              <a:solidFill>
-                <a:prstClr val="black">
-                  <a:lumMod val="65000"/>
-                  <a:lumOff val="35000"/>
-                </a:prstClr>
-              </a:solidFill>
-              <a:effectLst>
-                <a:outerShdw blurRad="63500" sx="102000" sy="102000" algn="ctr" rotWithShape="0">
-                  <a:prstClr val="white">
-                    <a:alpha val="40000"/>
-                  </a:prstClr>
-                </a:outerShdw>
-              </a:effectLst>
-            </a:endParaRPr>
           </a:p>
         </p:txBody>
       </p:sp>
@@ -8047,21 +8365,6 @@
               </a:rPr>
               <a:t>Pruebas</a:t>
             </a:r>
-            <a:endParaRPr lang="es-PE" b="1" dirty="0">
-              <a:solidFill>
-                <a:prstClr val="black">
-                  <a:lumMod val="65000"/>
-                  <a:lumOff val="35000"/>
-                </a:prstClr>
-              </a:solidFill>
-              <a:effectLst>
-                <a:outerShdw blurRad="63500" sx="102000" sy="102000" algn="ctr" rotWithShape="0">
-                  <a:prstClr val="white">
-                    <a:alpha val="40000"/>
-                  </a:prstClr>
-                </a:outerShdw>
-              </a:effectLst>
-            </a:endParaRPr>
           </a:p>
         </p:txBody>
       </p:sp>
@@ -8185,21 +8488,6 @@
               </a:rPr>
               <a:t>Terminado</a:t>
             </a:r>
-            <a:endParaRPr lang="es-PE" b="1" dirty="0">
-              <a:solidFill>
-                <a:prstClr val="black">
-                  <a:lumMod val="65000"/>
-                  <a:lumOff val="35000"/>
-                </a:prstClr>
-              </a:solidFill>
-              <a:effectLst>
-                <a:outerShdw blurRad="63500" sx="102000" sy="102000" algn="ctr" rotWithShape="0">
-                  <a:prstClr val="white">
-                    <a:alpha val="40000"/>
-                  </a:prstClr>
-                </a:outerShdw>
-              </a:effectLst>
-            </a:endParaRPr>
           </a:p>
         </p:txBody>
       </p:sp>
@@ -9931,11 +10219,6 @@
                 </a:rPr>
                 <a:t>Exposición</a:t>
               </a:r>
-              <a:endParaRPr lang="es-PE" sz="1600" b="1" dirty="0">
-                <a:solidFill>
-                  <a:prstClr val="black"/>
-                </a:solidFill>
-              </a:endParaRPr>
             </a:p>
           </p:txBody>
         </p:sp>
@@ -10075,11 +10358,6 @@
                 </a:rPr>
                 <a:t>Prototipo 1 - Consola</a:t>
               </a:r>
-              <a:endParaRPr lang="es-PE" sz="1600" b="1" dirty="0">
-                <a:solidFill>
-                  <a:prstClr val="black"/>
-                </a:solidFill>
-              </a:endParaRPr>
             </a:p>
           </p:txBody>
         </p:sp>
@@ -10587,11 +10865,6 @@
                 </a:rPr>
                 <a:t>Avance 1</a:t>
               </a:r>
-              <a:endParaRPr lang="es-PE" sz="1600" b="1" dirty="0">
-                <a:solidFill>
-                  <a:prstClr val="black"/>
-                </a:solidFill>
-              </a:endParaRPr>
             </a:p>
           </p:txBody>
         </p:sp>
@@ -11099,11 +11372,6 @@
                 </a:rPr>
                 <a:t>Avance 2</a:t>
               </a:r>
-              <a:endParaRPr lang="es-PE" sz="1600" b="1" dirty="0">
-                <a:solidFill>
-                  <a:prstClr val="black"/>
-                </a:solidFill>
-              </a:endParaRPr>
             </a:p>
           </p:txBody>
         </p:sp>
@@ -11611,11 +11879,6 @@
                 </a:rPr>
                 <a:t>Avance 3</a:t>
               </a:r>
-              <a:endParaRPr lang="es-PE" sz="1600" b="1" dirty="0">
-                <a:solidFill>
-                  <a:prstClr val="black"/>
-                </a:solidFill>
-              </a:endParaRPr>
             </a:p>
           </p:txBody>
         </p:sp>
@@ -12123,11 +12386,6 @@
                 </a:rPr>
                 <a:t>Avance 4</a:t>
               </a:r>
-              <a:endParaRPr lang="es-PE" sz="1600" b="1" dirty="0">
-                <a:solidFill>
-                  <a:prstClr val="black"/>
-                </a:solidFill>
-              </a:endParaRPr>
             </a:p>
           </p:txBody>
         </p:sp>
@@ -12635,11 +12893,6 @@
                 </a:rPr>
                 <a:t>Avance 5</a:t>
               </a:r>
-              <a:endParaRPr lang="es-PE" sz="1600" b="1" dirty="0">
-                <a:solidFill>
-                  <a:prstClr val="black"/>
-                </a:solidFill>
-              </a:endParaRPr>
             </a:p>
           </p:txBody>
         </p:sp>
@@ -13147,11 +13400,6 @@
                 </a:rPr>
                 <a:t>Avance 6</a:t>
               </a:r>
-              <a:endParaRPr lang="es-PE" sz="1600" b="1" dirty="0">
-                <a:solidFill>
-                  <a:prstClr val="black"/>
-                </a:solidFill>
-              </a:endParaRPr>
             </a:p>
           </p:txBody>
         </p:sp>
@@ -13659,11 +13907,6 @@
                 </a:rPr>
                 <a:t>Avance 7</a:t>
               </a:r>
-              <a:endParaRPr lang="es-PE" sz="1600" b="1" dirty="0">
-                <a:solidFill>
-                  <a:prstClr val="black"/>
-                </a:solidFill>
-              </a:endParaRPr>
             </a:p>
           </p:txBody>
         </p:sp>
@@ -14171,11 +14414,6 @@
                 </a:rPr>
                 <a:t>Avance 8 - Final</a:t>
               </a:r>
-              <a:endParaRPr lang="es-PE" sz="1600" b="1" dirty="0">
-                <a:solidFill>
-                  <a:prstClr val="black"/>
-                </a:solidFill>
-              </a:endParaRPr>
             </a:p>
           </p:txBody>
         </p:sp>
@@ -14560,6 +14798,53 @@
           </p:sp>
         </p:grpSp>
       </p:grpSp>
+      <p:pic>
+        <p:nvPicPr>
+          <p:cNvPr id="97" name="Picture 2" descr="LogoUPC.png">
+            <a:extLst>
+              <a:ext uri="{FF2B5EF4-FFF2-40B4-BE49-F238E27FC236}">
+                <a16:creationId xmlns:a16="http://schemas.microsoft.com/office/drawing/2014/main" id="{3193516A-4DD0-4F6D-9242-297C6740E681}"/>
+              </a:ext>
+            </a:extLst>
+          </p:cNvPr>
+          <p:cNvPicPr>
+            <a:picLocks noChangeAspect="1" noChangeArrowheads="1"/>
+          </p:cNvPicPr>
+          <p:nvPr/>
+        </p:nvPicPr>
+        <p:blipFill>
+          <a:blip r:embed="rId2">
+            <a:extLst>
+              <a:ext uri="{28A0092B-C50C-407E-A947-70E740481C1C}">
+                <a14:useLocalDpi xmlns:a14="http://schemas.microsoft.com/office/drawing/2010/main" val="0"/>
+              </a:ext>
+            </a:extLst>
+          </a:blip>
+          <a:srcRect/>
+          <a:stretch>
+            <a:fillRect/>
+          </a:stretch>
+        </p:blipFill>
+        <p:spPr bwMode="auto">
+          <a:xfrm>
+            <a:off x="10853530" y="0"/>
+            <a:ext cx="1338470" cy="1338470"/>
+          </a:xfrm>
+          <a:prstGeom prst="rect">
+            <a:avLst/>
+          </a:prstGeom>
+          <a:noFill/>
+          <a:extLst>
+            <a:ext uri="{909E8E84-426E-40DD-AFC4-6F175D3DCCD1}">
+              <a14:hiddenFill xmlns:a14="http://schemas.microsoft.com/office/drawing/2010/main">
+                <a:solidFill>
+                  <a:srgbClr val="FFFFFF"/>
+                </a:solidFill>
+              </a14:hiddenFill>
+            </a:ext>
+          </a:extLst>
+        </p:spPr>
+      </p:pic>
     </p:spTree>
     <p:extLst>
       <p:ext uri="{BB962C8B-B14F-4D97-AF65-F5344CB8AC3E}">
@@ -14570,1503 +14855,6 @@
   <p:clrMapOvr>
     <a:masterClrMapping/>
   </p:clrMapOvr>
-  <p:timing>
-    <p:tnLst>
-      <p:par>
-        <p:cTn id="1" dur="indefinite" restart="never" nodeType="tmRoot"/>
-      </p:par>
-    </p:tnLst>
-  </p:timing>
-</p:sld>
-</file>
-
-<file path=ppt/slides/slide2.xml><?xml version="1.0" encoding="utf-8"?>
-<p:sld xmlns:a="http://schemas.openxmlformats.org/drawingml/2006/main" xmlns:r="http://schemas.openxmlformats.org/officeDocument/2006/relationships" xmlns:p="http://schemas.openxmlformats.org/presentationml/2006/main">
-  <p:cSld>
-    <p:spTree>
-      <p:nvGrpSpPr>
-        <p:cNvPr id="1" name=""/>
-        <p:cNvGrpSpPr/>
-        <p:nvPr/>
-      </p:nvGrpSpPr>
-      <p:grpSpPr>
-        <a:xfrm>
-          <a:off x="0" y="0"/>
-          <a:ext cx="0" cy="0"/>
-          <a:chOff x="0" y="0"/>
-          <a:chExt cx="0" cy="0"/>
-        </a:xfrm>
-      </p:grpSpPr>
-      <p:sp>
-        <p:nvSpPr>
-          <p:cNvPr id="2" name="Title 1"/>
-          <p:cNvSpPr>
-            <a:spLocks noGrp="1"/>
-          </p:cNvSpPr>
-          <p:nvPr>
-            <p:ph type="title"/>
-          </p:nvPr>
-        </p:nvSpPr>
-        <p:spPr/>
-        <p:txBody>
-          <a:bodyPr/>
-          <a:lstStyle/>
-          <a:p>
-            <a:r>
-              <a:rPr lang="es-PE" dirty="0" smtClean="0"/>
-              <a:t>Opciones</a:t>
-            </a:r>
-            <a:r>
-              <a:rPr lang="en-US" dirty="0" smtClean="0"/>
-              <a:t> </a:t>
-            </a:r>
-            <a:r>
-              <a:rPr lang="en-US" dirty="0" err="1" smtClean="0"/>
-              <a:t>reales</a:t>
-            </a:r>
-            <a:r>
-              <a:rPr lang="en-US" dirty="0" smtClean="0"/>
-              <a:t> (OR)</a:t>
-            </a:r>
-            <a:endParaRPr lang="en-US" dirty="0"/>
-          </a:p>
-        </p:txBody>
-      </p:sp>
-      <p:sp>
-        <p:nvSpPr>
-          <p:cNvPr id="3" name="Content Placeholder 2"/>
-          <p:cNvSpPr>
-            <a:spLocks noGrp="1"/>
-          </p:cNvSpPr>
-          <p:nvPr>
-            <p:ph sz="quarter" idx="13"/>
-          </p:nvPr>
-        </p:nvSpPr>
-        <p:spPr/>
-        <p:txBody>
-          <a:bodyPr/>
-          <a:lstStyle/>
-          <a:p>
-            <a:r>
-              <a:rPr lang="es-PE" dirty="0" smtClean="0"/>
-              <a:t>Las opciones reales son un técnica para la evaluación de proyectos en situaciones futuras de inversión o cambios donde la incertidumbre sea extensa.</a:t>
-            </a:r>
-          </a:p>
-          <a:p>
-            <a:endParaRPr lang="es-PE" dirty="0" smtClean="0"/>
-          </a:p>
-          <a:p>
-            <a:r>
-              <a:rPr lang="es-PE" dirty="0" smtClean="0"/>
-              <a:t>-</a:t>
-            </a:r>
-            <a:r>
-              <a:rPr lang="es-PE" dirty="0" smtClean="0"/>
-              <a:t>VAN(Valor Actual Neto)</a:t>
-            </a:r>
-          </a:p>
-          <a:p>
-            <a:r>
-              <a:rPr lang="es-PE" dirty="0" smtClean="0"/>
-              <a:t>-TIR(Tasa Interna de Retorno)</a:t>
-            </a:r>
-            <a:endParaRPr lang="es-PE" dirty="0"/>
-          </a:p>
-        </p:txBody>
-      </p:sp>
-    </p:spTree>
-    <p:extLst>
-      <p:ext uri="{BB962C8B-B14F-4D97-AF65-F5344CB8AC3E}">
-        <p14:creationId xmlns:p14="http://schemas.microsoft.com/office/powerpoint/2010/main" val="4077567264"/>
-      </p:ext>
-    </p:extLst>
-  </p:cSld>
-  <p:clrMapOvr>
-    <a:masterClrMapping/>
-  </p:clrMapOvr>
-  <p:timing>
-    <p:tnLst>
-      <p:par>
-        <p:cTn id="1" dur="indefinite" restart="never" nodeType="tmRoot"/>
-      </p:par>
-    </p:tnLst>
-  </p:timing>
-</p:sld>
-</file>
-
-<file path=ppt/slides/slide3.xml><?xml version="1.0" encoding="utf-8"?>
-<p:sld xmlns:a="http://schemas.openxmlformats.org/drawingml/2006/main" xmlns:r="http://schemas.openxmlformats.org/officeDocument/2006/relationships" xmlns:p="http://schemas.openxmlformats.org/presentationml/2006/main">
-  <p:cSld>
-    <p:spTree>
-      <p:nvGrpSpPr>
-        <p:cNvPr id="1" name=""/>
-        <p:cNvGrpSpPr/>
-        <p:nvPr/>
-      </p:nvGrpSpPr>
-      <p:grpSpPr>
-        <a:xfrm>
-          <a:off x="0" y="0"/>
-          <a:ext cx="0" cy="0"/>
-          <a:chOff x="0" y="0"/>
-          <a:chExt cx="0" cy="0"/>
-        </a:xfrm>
-      </p:grpSpPr>
-      <p:sp>
-        <p:nvSpPr>
-          <p:cNvPr id="2" name="Title 1"/>
-          <p:cNvSpPr>
-            <a:spLocks noGrp="1"/>
-          </p:cNvSpPr>
-          <p:nvPr>
-            <p:ph type="title"/>
-          </p:nvPr>
-        </p:nvSpPr>
-        <p:spPr/>
-        <p:txBody>
-          <a:bodyPr>
-            <a:normAutofit fontScale="90000"/>
-          </a:bodyPr>
-          <a:lstStyle/>
-          <a:p>
-            <a:r>
-              <a:rPr lang="en-US" dirty="0" err="1" smtClean="0"/>
-              <a:t>Tipos</a:t>
-            </a:r>
-            <a:r>
-              <a:rPr lang="en-US" dirty="0" smtClean="0"/>
-              <a:t> de </a:t>
-            </a:r>
-            <a:r>
-              <a:rPr lang="en-US" dirty="0" err="1" smtClean="0"/>
-              <a:t>opciones</a:t>
-            </a:r>
-            <a:r>
-              <a:rPr lang="en-US" dirty="0" smtClean="0"/>
-              <a:t> </a:t>
-            </a:r>
-            <a:r>
-              <a:rPr lang="en-US" dirty="0" err="1" smtClean="0"/>
-              <a:t>reales</a:t>
-            </a:r>
-            <a:endParaRPr lang="en-US" dirty="0"/>
-          </a:p>
-        </p:txBody>
-      </p:sp>
-      <p:sp>
-        <p:nvSpPr>
-          <p:cNvPr id="3" name="Text Placeholder 2"/>
-          <p:cNvSpPr>
-            <a:spLocks noGrp="1"/>
-          </p:cNvSpPr>
-          <p:nvPr>
-            <p:ph type="body" sz="quarter" idx="13"/>
-          </p:nvPr>
-        </p:nvSpPr>
-        <p:spPr/>
-        <p:txBody>
-          <a:bodyPr/>
-          <a:lstStyle/>
-          <a:p>
-            <a:endParaRPr lang="en-US" dirty="0"/>
-          </a:p>
-        </p:txBody>
-      </p:sp>
-    </p:spTree>
-    <p:extLst>
-      <p:ext uri="{BB962C8B-B14F-4D97-AF65-F5344CB8AC3E}">
-        <p14:creationId xmlns:p14="http://schemas.microsoft.com/office/powerpoint/2010/main" val="542358739"/>
-      </p:ext>
-    </p:extLst>
-  </p:cSld>
-  <p:clrMapOvr>
-    <a:masterClrMapping/>
-  </p:clrMapOvr>
-  <p:timing>
-    <p:tnLst>
-      <p:par>
-        <p:cTn id="1" dur="indefinite" restart="never" nodeType="tmRoot"/>
-      </p:par>
-    </p:tnLst>
-  </p:timing>
-</p:sld>
-</file>
-
-<file path=ppt/slides/slide4.xml><?xml version="1.0" encoding="utf-8"?>
-<p:sld xmlns:a="http://schemas.openxmlformats.org/drawingml/2006/main" xmlns:r="http://schemas.openxmlformats.org/officeDocument/2006/relationships" xmlns:p="http://schemas.openxmlformats.org/presentationml/2006/main">
-  <p:cSld>
-    <p:spTree>
-      <p:nvGrpSpPr>
-        <p:cNvPr id="1" name=""/>
-        <p:cNvGrpSpPr/>
-        <p:nvPr/>
-      </p:nvGrpSpPr>
-      <p:grpSpPr>
-        <a:xfrm>
-          <a:off x="0" y="0"/>
-          <a:ext cx="0" cy="0"/>
-          <a:chOff x="0" y="0"/>
-          <a:chExt cx="0" cy="0"/>
-        </a:xfrm>
-      </p:grpSpPr>
-      <p:sp>
-        <p:nvSpPr>
-          <p:cNvPr id="2" name="Title 1"/>
-          <p:cNvSpPr>
-            <a:spLocks noGrp="1"/>
-          </p:cNvSpPr>
-          <p:nvPr>
-            <p:ph type="title"/>
-          </p:nvPr>
-        </p:nvSpPr>
-        <p:spPr/>
-        <p:txBody>
-          <a:bodyPr>
-            <a:normAutofit fontScale="90000"/>
-          </a:bodyPr>
-          <a:lstStyle/>
-          <a:p>
-            <a:r>
-              <a:rPr lang="en-US" dirty="0" err="1" smtClean="0"/>
-              <a:t>Tipos</a:t>
-            </a:r>
-            <a:r>
-              <a:rPr lang="en-US" dirty="0" smtClean="0"/>
-              <a:t> de </a:t>
-            </a:r>
-            <a:r>
-              <a:rPr lang="en-US" dirty="0" err="1" smtClean="0"/>
-              <a:t>opciones</a:t>
-            </a:r>
-            <a:r>
-              <a:rPr lang="en-US" dirty="0" smtClean="0"/>
-              <a:t> </a:t>
-            </a:r>
-            <a:r>
-              <a:rPr lang="en-US" dirty="0" err="1" smtClean="0"/>
-              <a:t>reales</a:t>
-            </a:r>
-            <a:endParaRPr lang="en-US" dirty="0"/>
-          </a:p>
-        </p:txBody>
-      </p:sp>
-      <p:sp>
-        <p:nvSpPr>
-          <p:cNvPr id="3" name="Text Placeholder 2"/>
-          <p:cNvSpPr>
-            <a:spLocks noGrp="1"/>
-          </p:cNvSpPr>
-          <p:nvPr>
-            <p:ph type="body" sz="quarter" idx="13"/>
-          </p:nvPr>
-        </p:nvSpPr>
-        <p:spPr/>
-        <p:txBody>
-          <a:bodyPr/>
-          <a:lstStyle/>
-          <a:p>
-            <a:r>
-              <a:rPr lang="en-US" dirty="0" err="1" smtClean="0"/>
-              <a:t>Opción</a:t>
-            </a:r>
-            <a:r>
-              <a:rPr lang="en-US" dirty="0" smtClean="0"/>
-              <a:t> de </a:t>
-            </a:r>
-            <a:r>
-              <a:rPr lang="en-US" dirty="0" err="1" smtClean="0"/>
-              <a:t>diferir</a:t>
-            </a:r>
-            <a:endParaRPr lang="en-US" dirty="0"/>
-          </a:p>
-        </p:txBody>
-      </p:sp>
-      <p:sp>
-        <p:nvSpPr>
-          <p:cNvPr id="4" name="Text Placeholder 3"/>
-          <p:cNvSpPr>
-            <a:spLocks noGrp="1"/>
-          </p:cNvSpPr>
-          <p:nvPr>
-            <p:ph type="body" sz="quarter" idx="14"/>
-          </p:nvPr>
-        </p:nvSpPr>
-        <p:spPr/>
-        <p:txBody>
-          <a:bodyPr/>
-          <a:lstStyle/>
-          <a:p>
-            <a:r>
-              <a:rPr lang="en-US" dirty="0" err="1" smtClean="0"/>
-              <a:t>Opción</a:t>
-            </a:r>
-            <a:r>
-              <a:rPr lang="en-US" dirty="0" smtClean="0"/>
-              <a:t> de </a:t>
-            </a:r>
-            <a:r>
-              <a:rPr lang="en-US" dirty="0" err="1" smtClean="0"/>
-              <a:t>abandonar</a:t>
-            </a:r>
-            <a:endParaRPr lang="en-US" dirty="0"/>
-          </a:p>
-        </p:txBody>
-      </p:sp>
-      <p:sp>
-        <p:nvSpPr>
-          <p:cNvPr id="5" name="Content Placeholder 4"/>
-          <p:cNvSpPr>
-            <a:spLocks noGrp="1"/>
-          </p:cNvSpPr>
-          <p:nvPr>
-            <p:ph sz="quarter" idx="15"/>
-          </p:nvPr>
-        </p:nvSpPr>
-        <p:spPr/>
-        <p:txBody>
-          <a:bodyPr/>
-          <a:lstStyle/>
-          <a:p>
-            <a:r>
-              <a:rPr lang="en-US" dirty="0" err="1" smtClean="0"/>
-              <a:t>Es</a:t>
-            </a:r>
-            <a:r>
-              <a:rPr lang="en-US" dirty="0" smtClean="0"/>
-              <a:t> </a:t>
-            </a:r>
-            <a:r>
-              <a:rPr lang="en-US" dirty="0" err="1" smtClean="0"/>
-              <a:t>equivalente</a:t>
-            </a:r>
-            <a:r>
-              <a:rPr lang="en-US" dirty="0" smtClean="0"/>
-              <a:t> a </a:t>
-            </a:r>
-            <a:r>
-              <a:rPr lang="en-US" dirty="0" err="1" smtClean="0"/>
-              <a:t>tener</a:t>
-            </a:r>
-            <a:r>
-              <a:rPr lang="en-US" dirty="0" smtClean="0"/>
-              <a:t> </a:t>
-            </a:r>
-            <a:r>
-              <a:rPr lang="en-US" dirty="0" err="1" smtClean="0"/>
-              <a:t>una</a:t>
-            </a:r>
-            <a:r>
-              <a:rPr lang="en-US" dirty="0" smtClean="0"/>
-              <a:t> </a:t>
-            </a:r>
-            <a:r>
-              <a:rPr lang="en-US" dirty="0" err="1" smtClean="0"/>
-              <a:t>opción</a:t>
-            </a:r>
-            <a:r>
-              <a:rPr lang="en-US" dirty="0" smtClean="0"/>
-              <a:t> de </a:t>
-            </a:r>
-            <a:r>
-              <a:rPr lang="en-US" dirty="0" err="1" smtClean="0"/>
-              <a:t>compra</a:t>
-            </a:r>
-            <a:r>
-              <a:rPr lang="en-US" dirty="0" smtClean="0"/>
-              <a:t> en el </a:t>
-            </a:r>
-            <a:r>
-              <a:rPr lang="en-US" dirty="0" err="1" smtClean="0"/>
-              <a:t>proyecto</a:t>
-            </a:r>
-            <a:r>
-              <a:rPr lang="en-US" dirty="0" smtClean="0"/>
-              <a:t>.</a:t>
-            </a:r>
-            <a:endParaRPr lang="en-US" dirty="0"/>
-          </a:p>
-        </p:txBody>
-      </p:sp>
-      <p:sp>
-        <p:nvSpPr>
-          <p:cNvPr id="6" name="Content Placeholder 5"/>
-          <p:cNvSpPr>
-            <a:spLocks noGrp="1"/>
-          </p:cNvSpPr>
-          <p:nvPr>
-            <p:ph sz="quarter" idx="16"/>
-          </p:nvPr>
-        </p:nvSpPr>
-        <p:spPr/>
-        <p:txBody>
-          <a:bodyPr/>
-          <a:lstStyle/>
-          <a:p>
-            <a:r>
-              <a:rPr lang="en-US" dirty="0" smtClean="0"/>
-              <a:t>En el </a:t>
-            </a:r>
-            <a:r>
-              <a:rPr lang="en-US" dirty="0" err="1" smtClean="0"/>
-              <a:t>caso</a:t>
-            </a:r>
-            <a:r>
-              <a:rPr lang="en-US" dirty="0" smtClean="0"/>
-              <a:t> de </a:t>
-            </a:r>
-            <a:r>
-              <a:rPr lang="en-US" dirty="0" err="1" smtClean="0"/>
-              <a:t>que</a:t>
-            </a:r>
-            <a:r>
-              <a:rPr lang="en-US" dirty="0" smtClean="0"/>
-              <a:t> el valor del </a:t>
-            </a:r>
-            <a:r>
-              <a:rPr lang="en-US" dirty="0" err="1" smtClean="0"/>
-              <a:t>proyecto</a:t>
-            </a:r>
-            <a:r>
-              <a:rPr lang="en-US" dirty="0" smtClean="0"/>
-              <a:t> sea </a:t>
-            </a:r>
-            <a:r>
-              <a:rPr lang="en-US" dirty="0" err="1" smtClean="0"/>
-              <a:t>menor</a:t>
-            </a:r>
-            <a:r>
-              <a:rPr lang="en-US" dirty="0" smtClean="0"/>
-              <a:t> al </a:t>
-            </a:r>
-            <a:r>
-              <a:rPr lang="en-US" dirty="0" err="1" smtClean="0"/>
-              <a:t>esperado</a:t>
-            </a:r>
-            <a:r>
-              <a:rPr lang="en-US" dirty="0" smtClean="0"/>
-              <a:t>, </a:t>
-            </a:r>
-            <a:r>
-              <a:rPr lang="en-US" dirty="0" err="1" smtClean="0"/>
-              <a:t>existe</a:t>
-            </a:r>
-            <a:r>
-              <a:rPr lang="en-US" dirty="0" smtClean="0"/>
-              <a:t> la </a:t>
-            </a:r>
-            <a:r>
-              <a:rPr lang="en-US" dirty="0" err="1" smtClean="0"/>
-              <a:t>posibilidad</a:t>
-            </a:r>
-            <a:r>
-              <a:rPr lang="en-US" dirty="0" smtClean="0"/>
-              <a:t> de </a:t>
-            </a:r>
-            <a:r>
-              <a:rPr lang="en-US" dirty="0" err="1" smtClean="0"/>
-              <a:t>abandonarlo</a:t>
-            </a:r>
-            <a:r>
-              <a:rPr lang="en-US" dirty="0" smtClean="0"/>
-              <a:t>.</a:t>
-            </a:r>
-            <a:endParaRPr lang="en-US" dirty="0"/>
-          </a:p>
-        </p:txBody>
-      </p:sp>
-    </p:spTree>
-    <p:extLst>
-      <p:ext uri="{BB962C8B-B14F-4D97-AF65-F5344CB8AC3E}">
-        <p14:creationId xmlns:p14="http://schemas.microsoft.com/office/powerpoint/2010/main" val="379674774"/>
-      </p:ext>
-    </p:extLst>
-  </p:cSld>
-  <p:clrMapOvr>
-    <a:masterClrMapping/>
-  </p:clrMapOvr>
-  <p:timing>
-    <p:tnLst>
-      <p:par>
-        <p:cTn id="1" dur="indefinite" restart="never" nodeType="tmRoot"/>
-      </p:par>
-    </p:tnLst>
-  </p:timing>
-</p:sld>
-</file>
-
-<file path=ppt/slides/slide5.xml><?xml version="1.0" encoding="utf-8"?>
-<p:sld xmlns:a="http://schemas.openxmlformats.org/drawingml/2006/main" xmlns:r="http://schemas.openxmlformats.org/officeDocument/2006/relationships" xmlns:p="http://schemas.openxmlformats.org/presentationml/2006/main">
-  <p:cSld>
-    <p:spTree>
-      <p:nvGrpSpPr>
-        <p:cNvPr id="1" name=""/>
-        <p:cNvGrpSpPr/>
-        <p:nvPr/>
-      </p:nvGrpSpPr>
-      <p:grpSpPr>
-        <a:xfrm>
-          <a:off x="0" y="0"/>
-          <a:ext cx="0" cy="0"/>
-          <a:chOff x="0" y="0"/>
-          <a:chExt cx="0" cy="0"/>
-        </a:xfrm>
-      </p:grpSpPr>
-      <p:sp>
-        <p:nvSpPr>
-          <p:cNvPr id="2" name="Title 1"/>
-          <p:cNvSpPr>
-            <a:spLocks noGrp="1"/>
-          </p:cNvSpPr>
-          <p:nvPr>
-            <p:ph type="title"/>
-          </p:nvPr>
-        </p:nvSpPr>
-        <p:spPr/>
-        <p:txBody>
-          <a:bodyPr>
-            <a:normAutofit fontScale="90000"/>
-          </a:bodyPr>
-          <a:lstStyle/>
-          <a:p>
-            <a:r>
-              <a:rPr lang="en-US" dirty="0" err="1" smtClean="0"/>
-              <a:t>Tipos</a:t>
-            </a:r>
-            <a:r>
-              <a:rPr lang="en-US" dirty="0" smtClean="0"/>
-              <a:t> de </a:t>
-            </a:r>
-            <a:r>
-              <a:rPr lang="en-US" dirty="0" err="1" smtClean="0"/>
-              <a:t>opciones</a:t>
-            </a:r>
-            <a:r>
-              <a:rPr lang="en-US" dirty="0" smtClean="0"/>
-              <a:t> </a:t>
-            </a:r>
-            <a:r>
-              <a:rPr lang="en-US" dirty="0" err="1" smtClean="0"/>
-              <a:t>reales</a:t>
-            </a:r>
-            <a:endParaRPr lang="en-US" dirty="0"/>
-          </a:p>
-        </p:txBody>
-      </p:sp>
-      <p:sp>
-        <p:nvSpPr>
-          <p:cNvPr id="3" name="Text Placeholder 2"/>
-          <p:cNvSpPr>
-            <a:spLocks noGrp="1"/>
-          </p:cNvSpPr>
-          <p:nvPr>
-            <p:ph type="body" sz="quarter" idx="13"/>
-          </p:nvPr>
-        </p:nvSpPr>
-        <p:spPr/>
-        <p:txBody>
-          <a:bodyPr/>
-          <a:lstStyle/>
-          <a:p>
-            <a:r>
-              <a:rPr lang="en-US" dirty="0" err="1" smtClean="0"/>
-              <a:t>Opciones</a:t>
-            </a:r>
-            <a:r>
-              <a:rPr lang="en-US" dirty="0" smtClean="0"/>
-              <a:t> </a:t>
-            </a:r>
-            <a:r>
-              <a:rPr lang="en-US" dirty="0" err="1" smtClean="0"/>
-              <a:t>secuenciales</a:t>
-            </a:r>
-            <a:endParaRPr lang="en-US" dirty="0"/>
-          </a:p>
-        </p:txBody>
-      </p:sp>
-      <p:sp>
-        <p:nvSpPr>
-          <p:cNvPr id="4" name="Text Placeholder 3"/>
-          <p:cNvSpPr>
-            <a:spLocks noGrp="1"/>
-          </p:cNvSpPr>
-          <p:nvPr>
-            <p:ph type="body" sz="quarter" idx="14"/>
-          </p:nvPr>
-        </p:nvSpPr>
-        <p:spPr/>
-        <p:txBody>
-          <a:bodyPr>
-            <a:normAutofit fontScale="85000" lnSpcReduction="20000"/>
-          </a:bodyPr>
-          <a:lstStyle/>
-          <a:p>
-            <a:r>
-              <a:rPr lang="en-US" dirty="0" err="1" smtClean="0"/>
-              <a:t>Opción</a:t>
-            </a:r>
-            <a:r>
-              <a:rPr lang="en-US" dirty="0" smtClean="0"/>
-              <a:t> de </a:t>
-            </a:r>
-            <a:r>
-              <a:rPr lang="en-US" dirty="0" err="1" smtClean="0"/>
-              <a:t>expandir</a:t>
-            </a:r>
-            <a:r>
-              <a:rPr lang="en-US" dirty="0" smtClean="0"/>
-              <a:t> o </a:t>
-            </a:r>
-            <a:r>
-              <a:rPr lang="en-US" dirty="0" err="1" smtClean="0"/>
-              <a:t>contraer</a:t>
-            </a:r>
-            <a:endParaRPr lang="en-US" dirty="0"/>
-          </a:p>
-        </p:txBody>
-      </p:sp>
-      <p:sp>
-        <p:nvSpPr>
-          <p:cNvPr id="5" name="Content Placeholder 4"/>
-          <p:cNvSpPr>
-            <a:spLocks noGrp="1"/>
-          </p:cNvSpPr>
-          <p:nvPr>
-            <p:ph sz="quarter" idx="15"/>
-          </p:nvPr>
-        </p:nvSpPr>
-        <p:spPr/>
-        <p:txBody>
-          <a:bodyPr/>
-          <a:lstStyle/>
-          <a:p>
-            <a:r>
-              <a:rPr lang="en-US" dirty="0" smtClean="0"/>
-              <a:t>Los </a:t>
-            </a:r>
-            <a:r>
-              <a:rPr lang="en-US" dirty="0" err="1" smtClean="0"/>
-              <a:t>proyectos</a:t>
-            </a:r>
-            <a:r>
-              <a:rPr lang="en-US" dirty="0" smtClean="0"/>
-              <a:t> en los </a:t>
-            </a:r>
-            <a:r>
-              <a:rPr lang="en-US" dirty="0" err="1" smtClean="0"/>
-              <a:t>que</a:t>
-            </a:r>
-            <a:r>
-              <a:rPr lang="en-US" dirty="0" smtClean="0"/>
-              <a:t> </a:t>
-            </a:r>
-            <a:r>
-              <a:rPr lang="en-US" dirty="0" err="1" smtClean="0"/>
-              <a:t>existe</a:t>
-            </a:r>
-            <a:r>
-              <a:rPr lang="en-US" dirty="0" smtClean="0"/>
-              <a:t> </a:t>
-            </a:r>
-            <a:r>
-              <a:rPr lang="en-US" dirty="0" err="1" smtClean="0"/>
-              <a:t>una</a:t>
-            </a:r>
-            <a:r>
-              <a:rPr lang="en-US" dirty="0" smtClean="0"/>
-              <a:t> inversion </a:t>
-            </a:r>
-            <a:r>
-              <a:rPr lang="en-US" dirty="0" err="1" smtClean="0"/>
-              <a:t>secuencial</a:t>
-            </a:r>
-            <a:r>
-              <a:rPr lang="en-US" dirty="0" smtClean="0"/>
-              <a:t>, </a:t>
-            </a:r>
-            <a:r>
-              <a:rPr lang="en-US" dirty="0" err="1" smtClean="0"/>
-              <a:t>nos</a:t>
-            </a:r>
-            <a:r>
-              <a:rPr lang="en-US" dirty="0" smtClean="0"/>
-              <a:t> </a:t>
-            </a:r>
-            <a:r>
-              <a:rPr lang="en-US" dirty="0" err="1" smtClean="0"/>
-              <a:t>permite</a:t>
-            </a:r>
-            <a:r>
-              <a:rPr lang="en-US" dirty="0" smtClean="0"/>
-              <a:t> </a:t>
-            </a:r>
-            <a:r>
-              <a:rPr lang="en-US" dirty="0" err="1" smtClean="0"/>
-              <a:t>abandonar</a:t>
-            </a:r>
-            <a:r>
-              <a:rPr lang="en-US" dirty="0" smtClean="0"/>
-              <a:t> el </a:t>
-            </a:r>
-            <a:r>
-              <a:rPr lang="en-US" dirty="0" err="1" smtClean="0"/>
-              <a:t>proyecto</a:t>
-            </a:r>
-            <a:r>
-              <a:rPr lang="en-US" dirty="0" smtClean="0"/>
-              <a:t> en el </a:t>
-            </a:r>
-            <a:r>
-              <a:rPr lang="en-US" dirty="0" err="1" smtClean="0"/>
-              <a:t>caso</a:t>
-            </a:r>
-            <a:r>
-              <a:rPr lang="en-US" dirty="0" smtClean="0"/>
-              <a:t> de </a:t>
-            </a:r>
-            <a:r>
-              <a:rPr lang="en-US" dirty="0" err="1" smtClean="0"/>
-              <a:t>que</a:t>
-            </a:r>
-            <a:r>
-              <a:rPr lang="en-US" dirty="0" smtClean="0"/>
-              <a:t> la </a:t>
-            </a:r>
-            <a:r>
-              <a:rPr lang="en-US" dirty="0" err="1" smtClean="0"/>
-              <a:t>información</a:t>
-            </a:r>
-            <a:r>
-              <a:rPr lang="en-US" dirty="0" smtClean="0"/>
-              <a:t> </a:t>
-            </a:r>
-            <a:r>
-              <a:rPr lang="en-US" dirty="0" err="1" smtClean="0"/>
-              <a:t>que</a:t>
-            </a:r>
-            <a:r>
-              <a:rPr lang="en-US" dirty="0" smtClean="0"/>
-              <a:t> se </a:t>
-            </a:r>
-            <a:r>
-              <a:rPr lang="en-US" dirty="0" err="1" smtClean="0"/>
-              <a:t>va</a:t>
-            </a:r>
-            <a:r>
-              <a:rPr lang="en-US" dirty="0" smtClean="0"/>
-              <a:t> </a:t>
-            </a:r>
-            <a:r>
-              <a:rPr lang="en-US" dirty="0" err="1" smtClean="0"/>
-              <a:t>desvelando</a:t>
-            </a:r>
-            <a:r>
-              <a:rPr lang="en-US" dirty="0" smtClean="0"/>
-              <a:t> en el </a:t>
-            </a:r>
-            <a:r>
-              <a:rPr lang="en-US" dirty="0" err="1" smtClean="0"/>
-              <a:t>proceso</a:t>
-            </a:r>
-            <a:r>
-              <a:rPr lang="en-US" dirty="0" smtClean="0"/>
-              <a:t> no sea </a:t>
-            </a:r>
-            <a:r>
-              <a:rPr lang="en-US" dirty="0" err="1" smtClean="0"/>
-              <a:t>positiva</a:t>
-            </a:r>
-            <a:endParaRPr lang="en-US" dirty="0"/>
-          </a:p>
-        </p:txBody>
-      </p:sp>
-      <p:sp>
-        <p:nvSpPr>
-          <p:cNvPr id="6" name="Content Placeholder 5"/>
-          <p:cNvSpPr>
-            <a:spLocks noGrp="1"/>
-          </p:cNvSpPr>
-          <p:nvPr>
-            <p:ph sz="quarter" idx="16"/>
-          </p:nvPr>
-        </p:nvSpPr>
-        <p:spPr/>
-        <p:txBody>
-          <a:bodyPr/>
-          <a:lstStyle/>
-          <a:p>
-            <a:r>
-              <a:rPr lang="en-US" dirty="0" err="1" smtClean="0"/>
-              <a:t>Permite</a:t>
-            </a:r>
-            <a:r>
-              <a:rPr lang="en-US" dirty="0" smtClean="0"/>
-              <a:t> </a:t>
-            </a:r>
-            <a:r>
-              <a:rPr lang="en-US" dirty="0" err="1" smtClean="0"/>
-              <a:t>ampliar</a:t>
-            </a:r>
-            <a:r>
-              <a:rPr lang="en-US" dirty="0" smtClean="0"/>
-              <a:t> o </a:t>
-            </a:r>
-            <a:r>
-              <a:rPr lang="en-US" dirty="0" err="1" smtClean="0"/>
-              <a:t>disminuir</a:t>
-            </a:r>
-            <a:r>
-              <a:rPr lang="en-US" dirty="0" smtClean="0"/>
-              <a:t> el </a:t>
-            </a:r>
-            <a:r>
-              <a:rPr lang="en-US" dirty="0" err="1" smtClean="0"/>
-              <a:t>proyecto</a:t>
-            </a:r>
-            <a:r>
-              <a:rPr lang="en-US" dirty="0" smtClean="0"/>
-              <a:t> de </a:t>
-            </a:r>
-            <a:r>
-              <a:rPr lang="en-US" dirty="0" err="1" smtClean="0"/>
-              <a:t>acuerdo</a:t>
-            </a:r>
-            <a:r>
-              <a:rPr lang="en-US" dirty="0" smtClean="0"/>
-              <a:t> a </a:t>
-            </a:r>
-            <a:r>
-              <a:rPr lang="en-US" dirty="0" err="1" smtClean="0"/>
-              <a:t>las</a:t>
-            </a:r>
-            <a:r>
-              <a:rPr lang="en-US" dirty="0" smtClean="0"/>
-              <a:t> </a:t>
-            </a:r>
-            <a:r>
-              <a:rPr lang="en-US" dirty="0" err="1" smtClean="0"/>
-              <a:t>condiciones</a:t>
-            </a:r>
-            <a:r>
-              <a:rPr lang="en-US" dirty="0" smtClean="0"/>
-              <a:t> del Mercado</a:t>
-            </a:r>
-            <a:endParaRPr lang="en-US" dirty="0"/>
-          </a:p>
-        </p:txBody>
-      </p:sp>
-    </p:spTree>
-    <p:extLst>
-      <p:ext uri="{BB962C8B-B14F-4D97-AF65-F5344CB8AC3E}">
-        <p14:creationId xmlns:p14="http://schemas.microsoft.com/office/powerpoint/2010/main" val="2142892452"/>
-      </p:ext>
-    </p:extLst>
-  </p:cSld>
-  <p:clrMapOvr>
-    <a:masterClrMapping/>
-  </p:clrMapOvr>
-  <p:timing>
-    <p:tnLst>
-      <p:par>
-        <p:cTn id="1" dur="indefinite" restart="never" nodeType="tmRoot"/>
-      </p:par>
-    </p:tnLst>
-  </p:timing>
-</p:sld>
-</file>
-
-<file path=ppt/slides/slide6.xml><?xml version="1.0" encoding="utf-8"?>
-<p:sld xmlns:a="http://schemas.openxmlformats.org/drawingml/2006/main" xmlns:r="http://schemas.openxmlformats.org/officeDocument/2006/relationships" xmlns:p="http://schemas.openxmlformats.org/presentationml/2006/main">
-  <p:cSld>
-    <p:spTree>
-      <p:nvGrpSpPr>
-        <p:cNvPr id="1" name=""/>
-        <p:cNvGrpSpPr/>
-        <p:nvPr/>
-      </p:nvGrpSpPr>
-      <p:grpSpPr>
-        <a:xfrm>
-          <a:off x="0" y="0"/>
-          <a:ext cx="0" cy="0"/>
-          <a:chOff x="0" y="0"/>
-          <a:chExt cx="0" cy="0"/>
-        </a:xfrm>
-      </p:grpSpPr>
-      <p:sp>
-        <p:nvSpPr>
-          <p:cNvPr id="2" name="Title 1"/>
-          <p:cNvSpPr>
-            <a:spLocks noGrp="1"/>
-          </p:cNvSpPr>
-          <p:nvPr>
-            <p:ph type="title"/>
-          </p:nvPr>
-        </p:nvSpPr>
-        <p:spPr/>
-        <p:txBody>
-          <a:bodyPr>
-            <a:normAutofit/>
-          </a:bodyPr>
-          <a:lstStyle/>
-          <a:p>
-            <a:r>
-              <a:rPr lang="en-US" dirty="0" err="1" smtClean="0"/>
-              <a:t>Valoracion</a:t>
-            </a:r>
-            <a:r>
-              <a:rPr lang="en-US" dirty="0" smtClean="0"/>
-              <a:t> de OR</a:t>
-            </a:r>
-            <a:endParaRPr lang="en-US" dirty="0"/>
-          </a:p>
-        </p:txBody>
-      </p:sp>
-      <p:sp>
-        <p:nvSpPr>
-          <p:cNvPr id="3" name="Text Placeholder 2"/>
-          <p:cNvSpPr>
-            <a:spLocks noGrp="1"/>
-          </p:cNvSpPr>
-          <p:nvPr>
-            <p:ph type="body" sz="quarter" idx="13"/>
-          </p:nvPr>
-        </p:nvSpPr>
-        <p:spPr/>
-        <p:txBody>
-          <a:bodyPr/>
-          <a:lstStyle/>
-          <a:p>
-            <a:endParaRPr lang="en-US" dirty="0"/>
-          </a:p>
-        </p:txBody>
-      </p:sp>
-    </p:spTree>
-    <p:extLst>
-      <p:ext uri="{BB962C8B-B14F-4D97-AF65-F5344CB8AC3E}">
-        <p14:creationId xmlns:p14="http://schemas.microsoft.com/office/powerpoint/2010/main" val="682228719"/>
-      </p:ext>
-    </p:extLst>
-  </p:cSld>
-  <p:clrMapOvr>
-    <a:masterClrMapping/>
-  </p:clrMapOvr>
-  <p:timing>
-    <p:tnLst>
-      <p:par>
-        <p:cTn id="1" dur="indefinite" restart="never" nodeType="tmRoot"/>
-      </p:par>
-    </p:tnLst>
-  </p:timing>
-</p:sld>
-</file>
-
-<file path=ppt/slides/slide7.xml><?xml version="1.0" encoding="utf-8"?>
-<p:sld xmlns:a="http://schemas.openxmlformats.org/drawingml/2006/main" xmlns:r="http://schemas.openxmlformats.org/officeDocument/2006/relationships" xmlns:p="http://schemas.openxmlformats.org/presentationml/2006/main">
-  <p:cSld>
-    <p:spTree>
-      <p:nvGrpSpPr>
-        <p:cNvPr id="1" name=""/>
-        <p:cNvGrpSpPr/>
-        <p:nvPr/>
-      </p:nvGrpSpPr>
-      <p:grpSpPr>
-        <a:xfrm>
-          <a:off x="0" y="0"/>
-          <a:ext cx="0" cy="0"/>
-          <a:chOff x="0" y="0"/>
-          <a:chExt cx="0" cy="0"/>
-        </a:xfrm>
-      </p:grpSpPr>
-      <p:sp>
-        <p:nvSpPr>
-          <p:cNvPr id="2" name="Title 1"/>
-          <p:cNvSpPr>
-            <a:spLocks noGrp="1"/>
-          </p:cNvSpPr>
-          <p:nvPr>
-            <p:ph type="title"/>
-          </p:nvPr>
-        </p:nvSpPr>
-        <p:spPr>
-          <a:xfrm>
-            <a:off x="714243" y="392809"/>
-            <a:ext cx="10518915" cy="1363346"/>
-          </a:xfrm>
-        </p:spPr>
-        <p:txBody>
-          <a:bodyPr/>
-          <a:lstStyle/>
-          <a:p>
-            <a:r>
-              <a:rPr lang="en-US" sz="4000" dirty="0" err="1" smtClean="0"/>
-              <a:t>Valoración</a:t>
-            </a:r>
-            <a:r>
-              <a:rPr lang="en-US" sz="4000" dirty="0" smtClean="0"/>
-              <a:t> de OR</a:t>
-            </a:r>
-            <a:r>
-              <a:rPr lang="en-US" sz="2400" dirty="0" smtClean="0"/>
-              <a:t/>
-            </a:r>
-            <a:br>
-              <a:rPr lang="en-US" sz="2400" dirty="0" smtClean="0"/>
-            </a:br>
-            <a:r>
-              <a:rPr lang="en-US" sz="2400" dirty="0" smtClean="0"/>
-              <a:t>Se </a:t>
-            </a:r>
-            <a:r>
-              <a:rPr lang="en-US" sz="2400" dirty="0" err="1" smtClean="0"/>
-              <a:t>utilizan</a:t>
-            </a:r>
-            <a:r>
-              <a:rPr lang="en-US" sz="2400" dirty="0" smtClean="0"/>
-              <a:t> </a:t>
-            </a:r>
-            <a:r>
-              <a:rPr lang="en-US" sz="2400" dirty="0" err="1" smtClean="0"/>
-              <a:t>las</a:t>
-            </a:r>
-            <a:r>
-              <a:rPr lang="en-US" sz="2400" dirty="0" smtClean="0"/>
-              <a:t> </a:t>
-            </a:r>
-            <a:r>
-              <a:rPr lang="en-US" sz="2400" dirty="0" err="1" smtClean="0"/>
-              <a:t>técnicas</a:t>
-            </a:r>
-            <a:r>
-              <a:rPr lang="en-US" sz="2400" dirty="0" smtClean="0"/>
-              <a:t> de </a:t>
-            </a:r>
-            <a:r>
-              <a:rPr lang="en-US" sz="2400" dirty="0" err="1" smtClean="0"/>
-              <a:t>opciones</a:t>
-            </a:r>
-            <a:r>
-              <a:rPr lang="en-US" sz="2400" dirty="0" smtClean="0"/>
-              <a:t> </a:t>
-            </a:r>
-            <a:r>
-              <a:rPr lang="en-US" sz="2400" dirty="0" err="1" smtClean="0"/>
-              <a:t>financieras</a:t>
-            </a:r>
-            <a:r>
-              <a:rPr lang="en-US" sz="2400" dirty="0" smtClean="0"/>
-              <a:t> para </a:t>
-            </a:r>
-            <a:r>
-              <a:rPr lang="en-US" sz="2400" dirty="0" err="1" smtClean="0"/>
-              <a:t>evaluar</a:t>
-            </a:r>
-            <a:r>
-              <a:rPr lang="en-US" sz="2400" dirty="0" smtClean="0"/>
-              <a:t> </a:t>
-            </a:r>
-            <a:r>
-              <a:rPr lang="en-US" sz="2400" dirty="0" err="1" smtClean="0"/>
-              <a:t>las</a:t>
-            </a:r>
-            <a:r>
-              <a:rPr lang="en-US" sz="2400" dirty="0" smtClean="0"/>
-              <a:t> </a:t>
-            </a:r>
-            <a:r>
-              <a:rPr lang="en-US" sz="2400" dirty="0" err="1" smtClean="0"/>
-              <a:t>opciones</a:t>
-            </a:r>
-            <a:r>
-              <a:rPr lang="en-US" sz="2400" dirty="0" smtClean="0"/>
-              <a:t> </a:t>
-            </a:r>
-            <a:r>
-              <a:rPr lang="en-US" sz="2400" dirty="0" err="1" smtClean="0"/>
-              <a:t>reales</a:t>
-            </a:r>
-            <a:endParaRPr lang="en-US" sz="2400" dirty="0"/>
-          </a:p>
-        </p:txBody>
-      </p:sp>
-      <p:sp>
-        <p:nvSpPr>
-          <p:cNvPr id="3" name="CuadroTexto 2"/>
-          <p:cNvSpPr txBox="1"/>
-          <p:nvPr/>
-        </p:nvSpPr>
-        <p:spPr>
-          <a:xfrm>
-            <a:off x="193184" y="6354604"/>
-            <a:ext cx="5486400" cy="369332"/>
-          </a:xfrm>
-          <a:prstGeom prst="rect">
-            <a:avLst/>
-          </a:prstGeom>
-          <a:noFill/>
-        </p:spPr>
-        <p:txBody>
-          <a:bodyPr wrap="square" rtlCol="0">
-            <a:spAutoFit/>
-          </a:bodyPr>
-          <a:lstStyle/>
-          <a:p>
-            <a:r>
-              <a:rPr lang="es-PE" dirty="0" smtClean="0">
-                <a:solidFill>
-                  <a:schemeClr val="bg1"/>
-                </a:solidFill>
-              </a:rPr>
-              <a:t>PRIMA: Comisión que paga el comprador de la opción</a:t>
-            </a:r>
-            <a:endParaRPr lang="es-PE" dirty="0">
-              <a:solidFill>
-                <a:schemeClr val="bg1"/>
-              </a:solidFill>
-            </a:endParaRPr>
-          </a:p>
-        </p:txBody>
-      </p:sp>
-      <p:sp>
-        <p:nvSpPr>
-          <p:cNvPr id="16" name="CuadroTexto 15"/>
-          <p:cNvSpPr txBox="1"/>
-          <p:nvPr/>
-        </p:nvSpPr>
-        <p:spPr>
-          <a:xfrm>
-            <a:off x="450761" y="2199621"/>
-            <a:ext cx="4520484" cy="4524315"/>
-          </a:xfrm>
-          <a:prstGeom prst="rect">
-            <a:avLst/>
-          </a:prstGeom>
-          <a:noFill/>
-        </p:spPr>
-        <p:txBody>
-          <a:bodyPr wrap="square" rtlCol="0">
-            <a:spAutoFit/>
-          </a:bodyPr>
-          <a:lstStyle/>
-          <a:p>
-            <a:r>
-              <a:rPr lang="es-PE" b="1" dirty="0" smtClean="0">
-                <a:solidFill>
-                  <a:schemeClr val="bg1"/>
-                </a:solidFill>
-              </a:rPr>
-              <a:t>OPCIONES FINANCIERAS</a:t>
-            </a:r>
-          </a:p>
-          <a:p>
-            <a:pPr marL="285750" indent="-285750">
-              <a:buFontTx/>
-              <a:buChar char="-"/>
-            </a:pPr>
-            <a:r>
-              <a:rPr lang="es-PE" dirty="0" smtClean="0">
-                <a:solidFill>
-                  <a:schemeClr val="bg1"/>
-                </a:solidFill>
-              </a:rPr>
-              <a:t>Otorga al titular el derecho de comprar o vender un activo en una fecha determinada a un precio pre-establecido (precio de ejercicio).</a:t>
-            </a:r>
-          </a:p>
-          <a:p>
-            <a:pPr marL="285750" indent="-285750">
-              <a:buFontTx/>
-              <a:buChar char="-"/>
-            </a:pPr>
-            <a:r>
-              <a:rPr lang="es-PE" dirty="0" smtClean="0">
-                <a:solidFill>
-                  <a:schemeClr val="bg1"/>
-                </a:solidFill>
-              </a:rPr>
-              <a:t>La contraparte se ve obligado a cumplir las condiciones del contrato a cambio de recibir una </a:t>
-            </a:r>
-            <a:r>
-              <a:rPr lang="es-PE" b="1" dirty="0" smtClean="0">
-                <a:solidFill>
-                  <a:schemeClr val="bg1"/>
-                </a:solidFill>
-              </a:rPr>
-              <a:t>prima</a:t>
-            </a:r>
-            <a:r>
-              <a:rPr lang="es-PE" dirty="0" smtClean="0">
-                <a:solidFill>
-                  <a:schemeClr val="bg1"/>
-                </a:solidFill>
-              </a:rPr>
-              <a:t>.</a:t>
-            </a:r>
-          </a:p>
-          <a:p>
-            <a:pPr marL="285750" indent="-285750">
-              <a:buFontTx/>
-              <a:buChar char="-"/>
-            </a:pPr>
-            <a:r>
-              <a:rPr lang="es-PE" dirty="0" smtClean="0">
-                <a:solidFill>
-                  <a:schemeClr val="bg1"/>
-                </a:solidFill>
-              </a:rPr>
-              <a:t> Opción </a:t>
-            </a:r>
-            <a:r>
-              <a:rPr lang="es-PE" b="1" dirty="0" smtClean="0">
-                <a:solidFill>
-                  <a:schemeClr val="bg1"/>
-                </a:solidFill>
-              </a:rPr>
-              <a:t>CALL</a:t>
-            </a:r>
-            <a:r>
-              <a:rPr lang="es-PE" dirty="0" smtClean="0">
-                <a:solidFill>
-                  <a:schemeClr val="bg1"/>
-                </a:solidFill>
-              </a:rPr>
-              <a:t>, da el derecho a comprar al precio del ejercicio.</a:t>
-            </a:r>
-          </a:p>
-          <a:p>
-            <a:pPr marL="285750" indent="-285750">
-              <a:buFontTx/>
-              <a:buChar char="-"/>
-            </a:pPr>
-            <a:r>
-              <a:rPr lang="es-PE" dirty="0" smtClean="0">
-                <a:solidFill>
-                  <a:schemeClr val="bg1"/>
-                </a:solidFill>
-              </a:rPr>
-              <a:t>Opción </a:t>
-            </a:r>
-            <a:r>
-              <a:rPr lang="es-PE" b="1" dirty="0" smtClean="0">
-                <a:solidFill>
-                  <a:schemeClr val="bg1"/>
-                </a:solidFill>
-              </a:rPr>
-              <a:t>PUT</a:t>
-            </a:r>
-            <a:r>
-              <a:rPr lang="es-PE" dirty="0" smtClean="0">
-                <a:solidFill>
-                  <a:schemeClr val="bg1"/>
-                </a:solidFill>
-              </a:rPr>
-              <a:t>, da el derecho de vender al precio de ejercicio estipulado.</a:t>
-            </a:r>
-          </a:p>
-          <a:p>
-            <a:pPr marL="285750" indent="-285750">
-              <a:buFontTx/>
-              <a:buChar char="-"/>
-            </a:pPr>
-            <a:r>
-              <a:rPr lang="es-PE" dirty="0" smtClean="0">
-                <a:solidFill>
-                  <a:schemeClr val="bg1"/>
-                </a:solidFill>
-              </a:rPr>
-              <a:t>Según el momento que es ejercida la opción, se clasifican en: </a:t>
-            </a:r>
-            <a:r>
-              <a:rPr lang="es-PE" b="1" dirty="0" smtClean="0">
-                <a:solidFill>
-                  <a:schemeClr val="bg1"/>
-                </a:solidFill>
-              </a:rPr>
-              <a:t>Europeas y Americanas</a:t>
-            </a:r>
-          </a:p>
-          <a:p>
-            <a:pPr marL="285750" indent="-285750">
-              <a:buFontTx/>
-              <a:buChar char="-"/>
-            </a:pPr>
-            <a:endParaRPr lang="es-PE" dirty="0">
-              <a:solidFill>
-                <a:schemeClr val="bg1"/>
-              </a:solidFill>
-            </a:endParaRPr>
-          </a:p>
-        </p:txBody>
-      </p:sp>
-      <p:sp>
-        <p:nvSpPr>
-          <p:cNvPr id="17" name="CuadroTexto 16"/>
-          <p:cNvSpPr txBox="1"/>
-          <p:nvPr/>
-        </p:nvSpPr>
-        <p:spPr>
-          <a:xfrm>
-            <a:off x="6450169" y="2248470"/>
-            <a:ext cx="4520484" cy="2585323"/>
-          </a:xfrm>
-          <a:prstGeom prst="rect">
-            <a:avLst/>
-          </a:prstGeom>
-          <a:noFill/>
-        </p:spPr>
-        <p:txBody>
-          <a:bodyPr wrap="square" rtlCol="0">
-            <a:spAutoFit/>
-          </a:bodyPr>
-          <a:lstStyle/>
-          <a:p>
-            <a:r>
-              <a:rPr lang="es-PE" b="1" dirty="0" smtClean="0">
-                <a:solidFill>
-                  <a:schemeClr val="bg1"/>
-                </a:solidFill>
-              </a:rPr>
-              <a:t>OPCIONES REALES</a:t>
-            </a:r>
-          </a:p>
-          <a:p>
-            <a:pPr marL="285750" indent="-285750">
-              <a:buFontTx/>
-              <a:buChar char="-"/>
-            </a:pPr>
-            <a:r>
-              <a:rPr lang="es-PE" dirty="0" smtClean="0">
-                <a:solidFill>
-                  <a:schemeClr val="bg1"/>
-                </a:solidFill>
-              </a:rPr>
-              <a:t>Otorga al titular el derecho de tomar una acción a un determinado costo de implementación por un periodo determinado.</a:t>
-            </a:r>
-          </a:p>
-          <a:p>
-            <a:pPr marL="285750" indent="-285750">
-              <a:buFontTx/>
-              <a:buChar char="-"/>
-            </a:pPr>
-            <a:r>
-              <a:rPr lang="es-PE" dirty="0" smtClean="0">
-                <a:solidFill>
-                  <a:schemeClr val="bg1"/>
-                </a:solidFill>
-              </a:rPr>
-              <a:t>Prima = valor de la opción real</a:t>
-            </a:r>
-          </a:p>
-          <a:p>
-            <a:pPr marL="285750" indent="-285750">
-              <a:buFontTx/>
-              <a:buChar char="-"/>
-            </a:pPr>
-            <a:r>
-              <a:rPr lang="es-PE" dirty="0" smtClean="0">
-                <a:solidFill>
-                  <a:schemeClr val="bg1"/>
-                </a:solidFill>
-              </a:rPr>
-              <a:t>Opción de expandir (</a:t>
-            </a:r>
-            <a:r>
-              <a:rPr lang="es-PE" dirty="0" err="1" smtClean="0">
-                <a:solidFill>
-                  <a:schemeClr val="bg1"/>
-                </a:solidFill>
-              </a:rPr>
-              <a:t>Call</a:t>
-            </a:r>
-            <a:r>
-              <a:rPr lang="es-PE" dirty="0" smtClean="0">
-                <a:solidFill>
-                  <a:schemeClr val="bg1"/>
-                </a:solidFill>
-              </a:rPr>
-              <a:t> Americana)</a:t>
-            </a:r>
-          </a:p>
-          <a:p>
-            <a:pPr marL="285750" indent="-285750">
-              <a:buFontTx/>
-              <a:buChar char="-"/>
-            </a:pPr>
-            <a:r>
-              <a:rPr lang="es-PE" dirty="0" smtClean="0">
-                <a:solidFill>
-                  <a:schemeClr val="bg1"/>
-                </a:solidFill>
-              </a:rPr>
-              <a:t>Opción de abandono (</a:t>
-            </a:r>
-            <a:r>
-              <a:rPr lang="es-PE" dirty="0" err="1" smtClean="0">
-                <a:solidFill>
-                  <a:schemeClr val="bg1"/>
-                </a:solidFill>
-              </a:rPr>
-              <a:t>Put</a:t>
-            </a:r>
-            <a:r>
-              <a:rPr lang="es-PE" dirty="0" smtClean="0">
-                <a:solidFill>
-                  <a:schemeClr val="bg1"/>
-                </a:solidFill>
-              </a:rPr>
-              <a:t> Americana)</a:t>
-            </a:r>
-          </a:p>
-          <a:p>
-            <a:pPr marL="285750" indent="-285750">
-              <a:buFontTx/>
-              <a:buChar char="-"/>
-            </a:pPr>
-            <a:r>
-              <a:rPr lang="es-PE" dirty="0" smtClean="0">
-                <a:solidFill>
-                  <a:schemeClr val="bg1"/>
-                </a:solidFill>
-              </a:rPr>
-              <a:t>Opción de contraer (</a:t>
-            </a:r>
-            <a:r>
-              <a:rPr lang="es-PE" dirty="0" err="1" smtClean="0">
-                <a:solidFill>
-                  <a:schemeClr val="bg1"/>
-                </a:solidFill>
-              </a:rPr>
-              <a:t>Put</a:t>
-            </a:r>
-            <a:r>
-              <a:rPr lang="es-PE" dirty="0" smtClean="0">
-                <a:solidFill>
-                  <a:schemeClr val="bg1"/>
-                </a:solidFill>
-              </a:rPr>
-              <a:t> Americana)</a:t>
-            </a:r>
-            <a:endParaRPr lang="es-PE" dirty="0">
-              <a:solidFill>
-                <a:schemeClr val="bg1"/>
-              </a:solidFill>
-            </a:endParaRPr>
-          </a:p>
-        </p:txBody>
-      </p:sp>
-    </p:spTree>
-    <p:extLst>
-      <p:ext uri="{BB962C8B-B14F-4D97-AF65-F5344CB8AC3E}">
-        <p14:creationId xmlns:p14="http://schemas.microsoft.com/office/powerpoint/2010/main" val="2076240598"/>
-      </p:ext>
-    </p:extLst>
-  </p:cSld>
-  <p:clrMapOvr>
-    <a:masterClrMapping/>
-  </p:clrMapOvr>
-  <p:timing>
-    <p:tnLst>
-      <p:par>
-        <p:cTn id="1" dur="indefinite" restart="never" nodeType="tmRoot"/>
-      </p:par>
-    </p:tnLst>
-  </p:timing>
 </p:sld>
 </file>
 
@@ -16089,225 +14877,13 @@
       </p:grpSpPr>
       <p:sp>
         <p:nvSpPr>
-          <p:cNvPr id="2" name="Content Placeholder 1"/>
-          <p:cNvSpPr>
-            <a:spLocks noGrp="1"/>
-          </p:cNvSpPr>
-          <p:nvPr>
-            <p:ph idx="1"/>
-          </p:nvPr>
-        </p:nvSpPr>
-        <p:spPr>
-          <a:xfrm>
-            <a:off x="4945488" y="297512"/>
-            <a:ext cx="6955568" cy="6058838"/>
-          </a:xfrm>
-        </p:spPr>
-        <p:txBody>
-          <a:bodyPr/>
-          <a:lstStyle/>
-          <a:p>
-            <a:r>
-              <a:rPr lang="en-US" dirty="0" err="1" smtClean="0"/>
-              <a:t>Componentes</a:t>
-            </a:r>
-            <a:r>
-              <a:rPr lang="en-US" dirty="0" smtClean="0"/>
-              <a:t> de valor de la PRIMA</a:t>
-            </a:r>
-          </a:p>
-          <a:p>
-            <a:r>
-              <a:rPr lang="en-US" dirty="0" smtClean="0"/>
-              <a:t>-Valor </a:t>
-            </a:r>
-            <a:r>
-              <a:rPr lang="en-US" dirty="0" err="1" smtClean="0"/>
-              <a:t>intrínseco</a:t>
-            </a:r>
-            <a:r>
-              <a:rPr lang="en-US" dirty="0" smtClean="0"/>
-              <a:t> o al </a:t>
-            </a:r>
-            <a:r>
-              <a:rPr lang="en-US" dirty="0" err="1" smtClean="0"/>
-              <a:t>ejercicio</a:t>
-            </a:r>
-            <a:endParaRPr lang="en-US" dirty="0" smtClean="0"/>
-          </a:p>
-          <a:p>
-            <a:r>
-              <a:rPr lang="en-US" dirty="0" smtClean="0"/>
-              <a:t>-Valor temporal o </a:t>
-            </a:r>
-            <a:r>
-              <a:rPr lang="en-US" dirty="0" err="1" smtClean="0"/>
-              <a:t>extrínseco</a:t>
-            </a:r>
-            <a:endParaRPr lang="en-US" dirty="0" smtClean="0"/>
-          </a:p>
-          <a:p>
-            <a:pPr lvl="1"/>
-            <a:r>
-              <a:rPr lang="en-US" dirty="0"/>
-              <a:t>V</a:t>
-            </a:r>
-            <a:r>
-              <a:rPr lang="en-US" dirty="0" smtClean="0"/>
-              <a:t>alor de </a:t>
-            </a:r>
-            <a:r>
-              <a:rPr lang="en-US" dirty="0" err="1" smtClean="0"/>
-              <a:t>espera</a:t>
-            </a:r>
-            <a:r>
-              <a:rPr lang="en-US" dirty="0" smtClean="0"/>
-              <a:t> para </a:t>
-            </a:r>
-            <a:r>
-              <a:rPr lang="en-US" dirty="0" err="1" smtClean="0"/>
-              <a:t>ejercer</a:t>
-            </a:r>
-            <a:r>
-              <a:rPr lang="en-US" dirty="0" smtClean="0"/>
-              <a:t> la </a:t>
-            </a:r>
-            <a:r>
-              <a:rPr lang="en-US" dirty="0" err="1" smtClean="0"/>
-              <a:t>opción</a:t>
-            </a:r>
-            <a:r>
-              <a:rPr lang="en-US" dirty="0" smtClean="0"/>
-              <a:t> antes del </a:t>
-            </a:r>
-            <a:r>
-              <a:rPr lang="en-US" dirty="0" err="1" smtClean="0"/>
-              <a:t>vencimiento</a:t>
-            </a:r>
-            <a:endParaRPr lang="en-US" dirty="0"/>
-          </a:p>
-          <a:p>
-            <a:pPr indent="-228600"/>
-            <a:endParaRPr lang="en-US" dirty="0" smtClean="0"/>
-          </a:p>
-          <a:p>
-            <a:pPr indent="-228600"/>
-            <a:r>
-              <a:rPr lang="en-US" dirty="0" smtClean="0"/>
-              <a:t>Se </a:t>
-            </a:r>
-            <a:r>
-              <a:rPr lang="en-US" dirty="0" err="1" smtClean="0"/>
-              <a:t>denota</a:t>
-            </a:r>
-            <a:r>
-              <a:rPr lang="en-US" dirty="0" smtClean="0"/>
-              <a:t> </a:t>
-            </a:r>
-            <a:r>
-              <a:rPr lang="en-US" dirty="0" err="1" smtClean="0"/>
-              <a:t>como</a:t>
-            </a:r>
-            <a:r>
-              <a:rPr lang="en-US" dirty="0" smtClean="0"/>
-              <a:t>:</a:t>
-            </a:r>
-          </a:p>
-          <a:p>
-            <a:pPr marL="228600" indent="-457200">
-              <a:buFont typeface="Arial" panose="020B0604020202020204" pitchFamily="34" charset="0"/>
-              <a:buChar char="•"/>
-            </a:pPr>
-            <a:r>
-              <a:rPr lang="en-US" dirty="0" smtClean="0"/>
-              <a:t>S= </a:t>
-            </a:r>
-            <a:r>
-              <a:rPr lang="en-US" dirty="0" err="1" smtClean="0"/>
-              <a:t>precio</a:t>
-            </a:r>
-            <a:r>
-              <a:rPr lang="en-US" dirty="0" smtClean="0"/>
-              <a:t> del </a:t>
-            </a:r>
-            <a:r>
-              <a:rPr lang="en-US" dirty="0" err="1" smtClean="0"/>
-              <a:t>activo</a:t>
-            </a:r>
-            <a:r>
-              <a:rPr lang="en-US" dirty="0" smtClean="0"/>
-              <a:t> </a:t>
-            </a:r>
-            <a:r>
-              <a:rPr lang="en-US" dirty="0" err="1" smtClean="0"/>
-              <a:t>subyacente</a:t>
-            </a:r>
-            <a:r>
-              <a:rPr lang="en-US" dirty="0" smtClean="0"/>
-              <a:t> al </a:t>
-            </a:r>
-            <a:r>
-              <a:rPr lang="en-US" dirty="0" err="1" smtClean="0"/>
-              <a:t>ejercicio</a:t>
-            </a:r>
-            <a:endParaRPr lang="en-US" dirty="0" smtClean="0"/>
-          </a:p>
-          <a:p>
-            <a:pPr marL="228600" indent="-457200">
-              <a:buFont typeface="Arial" panose="020B0604020202020204" pitchFamily="34" charset="0"/>
-              <a:buChar char="•"/>
-            </a:pPr>
-            <a:r>
-              <a:rPr lang="en-US" dirty="0" smtClean="0"/>
-              <a:t>X= </a:t>
-            </a:r>
-            <a:r>
-              <a:rPr lang="en-US" dirty="0" err="1" smtClean="0"/>
-              <a:t>precio</a:t>
-            </a:r>
-            <a:r>
-              <a:rPr lang="en-US" dirty="0" smtClean="0"/>
-              <a:t> de </a:t>
-            </a:r>
-            <a:r>
-              <a:rPr lang="en-US" dirty="0" err="1" smtClean="0"/>
-              <a:t>Ejercicio</a:t>
-            </a:r>
-            <a:r>
-              <a:rPr lang="en-US" dirty="0" smtClean="0"/>
-              <a:t> </a:t>
-            </a:r>
-            <a:r>
-              <a:rPr lang="en-US" dirty="0" err="1" smtClean="0"/>
-              <a:t>establecido</a:t>
-            </a:r>
-            <a:r>
-              <a:rPr lang="en-US" dirty="0" smtClean="0"/>
-              <a:t> en el </a:t>
-            </a:r>
-            <a:r>
-              <a:rPr lang="en-US" dirty="0" err="1" smtClean="0"/>
-              <a:t>contrato</a:t>
-            </a:r>
-            <a:r>
-              <a:rPr lang="en-US" dirty="0" smtClean="0"/>
-              <a:t> de </a:t>
-            </a:r>
-            <a:r>
-              <a:rPr lang="en-US" dirty="0" err="1" smtClean="0"/>
-              <a:t>opción</a:t>
-            </a:r>
-            <a:endParaRPr lang="en-US" dirty="0" smtClean="0"/>
-          </a:p>
-          <a:p>
-            <a:pPr indent="-228600"/>
-            <a:endParaRPr lang="en-US" dirty="0" smtClean="0"/>
-          </a:p>
-        </p:txBody>
-      </p:sp>
-      <p:sp>
-        <p:nvSpPr>
-          <p:cNvPr id="3" name="Title 2"/>
+          <p:cNvPr id="2" name="Título 1">
+            <a:extLst>
+              <a:ext uri="{FF2B5EF4-FFF2-40B4-BE49-F238E27FC236}">
+                <a16:creationId xmlns:a16="http://schemas.microsoft.com/office/drawing/2014/main" id="{80F74699-E2FA-4DA0-A524-2EC4BEEE78E7}"/>
+              </a:ext>
+            </a:extLst>
+          </p:cNvPr>
           <p:cNvSpPr>
             <a:spLocks noGrp="1"/>
           </p:cNvSpPr>
@@ -16320,129 +14896,101 @@
           <a:bodyPr/>
           <a:lstStyle/>
           <a:p>
+            <a:pPr algn="ctr"/>
             <a:r>
-              <a:rPr lang="en-US" dirty="0" err="1" smtClean="0"/>
-              <a:t>Valoración</a:t>
+              <a:rPr lang="es-PE" dirty="0"/>
+              <a:t>El prototipo</a:t>
             </a:r>
-            <a:r>
-              <a:rPr lang="en-US" dirty="0" smtClean="0"/>
-              <a:t> de OR</a:t>
-            </a:r>
-            <a:endParaRPr lang="en-US" dirty="0"/>
           </a:p>
         </p:txBody>
       </p:sp>
-      <p:sp>
-        <p:nvSpPr>
-          <p:cNvPr id="4" name="Text Placeholder 3"/>
-          <p:cNvSpPr>
-            <a:spLocks noGrp="1"/>
-          </p:cNvSpPr>
-          <p:nvPr>
-            <p:ph type="body" sz="half" idx="2"/>
-          </p:nvPr>
-        </p:nvSpPr>
-        <p:spPr/>
-        <p:txBody>
-          <a:bodyPr/>
-          <a:lstStyle/>
-          <a:p>
-            <a:r>
-              <a:rPr lang="en-US" dirty="0" smtClean="0"/>
-              <a:t>PRIMA</a:t>
-            </a:r>
-            <a:endParaRPr lang="en-US" dirty="0"/>
-          </a:p>
-        </p:txBody>
-      </p:sp>
-      <p:sp>
-        <p:nvSpPr>
-          <p:cNvPr id="5" name="Text Placeholder 4"/>
-          <p:cNvSpPr>
-            <a:spLocks noGrp="1"/>
-          </p:cNvSpPr>
-          <p:nvPr>
-            <p:ph type="body" sz="quarter" idx="13"/>
-          </p:nvPr>
-        </p:nvSpPr>
-        <p:spPr/>
-        <p:txBody>
-          <a:bodyPr/>
-          <a:lstStyle/>
-          <a:p>
-            <a:r>
-              <a:rPr lang="en-US" dirty="0" smtClean="0"/>
-              <a:t>El valor o </a:t>
-            </a:r>
-            <a:r>
-              <a:rPr lang="en-US" dirty="0" err="1" smtClean="0"/>
-              <a:t>precio</a:t>
-            </a:r>
-            <a:r>
-              <a:rPr lang="en-US" dirty="0" smtClean="0"/>
-              <a:t> de </a:t>
-            </a:r>
-            <a:r>
-              <a:rPr lang="en-US" dirty="0" err="1" smtClean="0"/>
-              <a:t>una</a:t>
-            </a:r>
-            <a:r>
-              <a:rPr lang="en-US" dirty="0" smtClean="0"/>
-              <a:t> </a:t>
-            </a:r>
-            <a:r>
-              <a:rPr lang="en-US" dirty="0" err="1" smtClean="0"/>
-              <a:t>opción</a:t>
-            </a:r>
-            <a:r>
-              <a:rPr lang="en-US" dirty="0" smtClean="0"/>
-              <a:t> </a:t>
-            </a:r>
-            <a:r>
-              <a:rPr lang="en-US" dirty="0" err="1" smtClean="0"/>
-              <a:t>viene</a:t>
-            </a:r>
-            <a:r>
-              <a:rPr lang="en-US" dirty="0" smtClean="0"/>
-              <a:t> </a:t>
-            </a:r>
-            <a:r>
-              <a:rPr lang="en-US" dirty="0" err="1" smtClean="0"/>
-              <a:t>representado</a:t>
-            </a:r>
-            <a:r>
-              <a:rPr lang="en-US" dirty="0" smtClean="0"/>
-              <a:t> </a:t>
-            </a:r>
-            <a:r>
-              <a:rPr lang="en-US" dirty="0" err="1" smtClean="0"/>
-              <a:t>por</a:t>
-            </a:r>
-            <a:r>
-              <a:rPr lang="en-US" dirty="0" smtClean="0"/>
-              <a:t> la PRIMA</a:t>
-            </a:r>
-            <a:endParaRPr lang="en-US" dirty="0"/>
-          </a:p>
-        </p:txBody>
-      </p:sp>
+      <p:pic>
+        <p:nvPicPr>
+          <p:cNvPr id="4" name="Imagen 3">
+            <a:extLst>
+              <a:ext uri="{FF2B5EF4-FFF2-40B4-BE49-F238E27FC236}">
+                <a16:creationId xmlns:a16="http://schemas.microsoft.com/office/drawing/2014/main" id="{4B2C8D7E-51F5-4DA8-B1A6-3330A8A34E8D}"/>
+              </a:ext>
+            </a:extLst>
+          </p:cNvPr>
+          <p:cNvPicPr>
+            <a:picLocks noChangeAspect="1"/>
+          </p:cNvPicPr>
+          <p:nvPr/>
+        </p:nvPicPr>
+        <p:blipFill>
+          <a:blip r:embed="rId2"/>
+          <a:stretch>
+            <a:fillRect/>
+          </a:stretch>
+        </p:blipFill>
+        <p:spPr>
+          <a:xfrm>
+            <a:off x="1554024" y="1661124"/>
+            <a:ext cx="9083951" cy="4532687"/>
+          </a:xfrm>
+          <a:prstGeom prst="rect">
+            <a:avLst/>
+          </a:prstGeom>
+        </p:spPr>
+      </p:pic>
+      <p:pic>
+        <p:nvPicPr>
+          <p:cNvPr id="5" name="Picture 2" descr="LogoUPC.png">
+            <a:extLst>
+              <a:ext uri="{FF2B5EF4-FFF2-40B4-BE49-F238E27FC236}">
+                <a16:creationId xmlns:a16="http://schemas.microsoft.com/office/drawing/2014/main" id="{F5FA0EED-4189-4F72-873E-95033ACEAEC5}"/>
+              </a:ext>
+            </a:extLst>
+          </p:cNvPr>
+          <p:cNvPicPr>
+            <a:picLocks noChangeAspect="1" noChangeArrowheads="1"/>
+          </p:cNvPicPr>
+          <p:nvPr/>
+        </p:nvPicPr>
+        <p:blipFill>
+          <a:blip r:embed="rId3">
+            <a:extLst>
+              <a:ext uri="{28A0092B-C50C-407E-A947-70E740481C1C}">
+                <a14:useLocalDpi xmlns:a14="http://schemas.microsoft.com/office/drawing/2010/main" val="0"/>
+              </a:ext>
+            </a:extLst>
+          </a:blip>
+          <a:srcRect/>
+          <a:stretch>
+            <a:fillRect/>
+          </a:stretch>
+        </p:blipFill>
+        <p:spPr bwMode="auto">
+          <a:xfrm>
+            <a:off x="10853530" y="0"/>
+            <a:ext cx="1338470" cy="1338470"/>
+          </a:xfrm>
+          <a:prstGeom prst="rect">
+            <a:avLst/>
+          </a:prstGeom>
+          <a:noFill/>
+          <a:extLst>
+            <a:ext uri="{909E8E84-426E-40DD-AFC4-6F175D3DCCD1}">
+              <a14:hiddenFill xmlns:a14="http://schemas.microsoft.com/office/drawing/2010/main">
+                <a:solidFill>
+                  <a:srgbClr val="FFFFFF"/>
+                </a:solidFill>
+              </a14:hiddenFill>
+            </a:ext>
+          </a:extLst>
+        </p:spPr>
+      </p:pic>
     </p:spTree>
     <p:extLst>
       <p:ext uri="{BB962C8B-B14F-4D97-AF65-F5344CB8AC3E}">
-        <p14:creationId xmlns:p14="http://schemas.microsoft.com/office/powerpoint/2010/main" val="1676477886"/>
+        <p14:creationId xmlns:p14="http://schemas.microsoft.com/office/powerpoint/2010/main" val="1470615341"/>
       </p:ext>
     </p:extLst>
   </p:cSld>
   <p:clrMapOvr>
     <a:masterClrMapping/>
   </p:clrMapOvr>
-  <p:timing>
-    <p:tnLst>
-      <p:par>
-        <p:cTn id="1" dur="indefinite" restart="never" nodeType="tmRoot"/>
-      </p:par>
-    </p:tnLst>
-  </p:timing>
 </p:sld>
 </file>
 
@@ -16463,263 +15011,52 @@
           <a:chExt cx="0" cy="0"/>
         </a:xfrm>
       </p:grpSpPr>
-      <p:sp>
-        <p:nvSpPr>
-          <p:cNvPr id="2" name="Título 1"/>
-          <p:cNvSpPr>
-            <a:spLocks noGrp="1"/>
-          </p:cNvSpPr>
-          <p:nvPr>
-            <p:ph type="title"/>
-          </p:nvPr>
-        </p:nvSpPr>
-        <p:spPr/>
-        <p:txBody>
-          <a:bodyPr/>
-          <a:lstStyle/>
-          <a:p>
-            <a:r>
-              <a:rPr lang="es-PE" dirty="0" smtClean="0"/>
-              <a:t>Valor intrínseco de opciones en un momento “t”</a:t>
-            </a:r>
-            <a:endParaRPr lang="es-PE" dirty="0"/>
-          </a:p>
-        </p:txBody>
-      </p:sp>
-      <p:sp>
-        <p:nvSpPr>
-          <p:cNvPr id="3" name="Marcador de texto 2"/>
-          <p:cNvSpPr>
-            <a:spLocks noGrp="1"/>
-          </p:cNvSpPr>
-          <p:nvPr>
-            <p:ph type="body" sz="quarter" idx="14"/>
-          </p:nvPr>
-        </p:nvSpPr>
-        <p:spPr/>
-        <p:txBody>
-          <a:bodyPr/>
-          <a:lstStyle/>
-          <a:p>
-            <a:endParaRPr lang="es-PE" dirty="0"/>
-          </a:p>
-        </p:txBody>
-      </p:sp>
-      <p:graphicFrame>
-        <p:nvGraphicFramePr>
-          <p:cNvPr id="7" name="Tabla 6"/>
-          <p:cNvGraphicFramePr>
-            <a:graphicFrameLocks noGrp="1"/>
-          </p:cNvGraphicFramePr>
-          <p:nvPr>
-            <p:extLst>
-              <p:ext uri="{D42A27DB-BD31-4B8C-83A1-F6EECF244321}">
-                <p14:modId xmlns:p14="http://schemas.microsoft.com/office/powerpoint/2010/main" val="4275589166"/>
-              </p:ext>
-            </p:extLst>
-          </p:nvPr>
-        </p:nvGraphicFramePr>
-        <p:xfrm>
-          <a:off x="1388057" y="1956038"/>
-          <a:ext cx="8128000" cy="741680"/>
-        </p:xfrm>
-        <a:graphic>
-          <a:graphicData uri="http://schemas.openxmlformats.org/drawingml/2006/table">
-            <a:tbl>
-              <a:tblPr firstRow="1" bandRow="1">
-                <a:tableStyleId>{5C22544A-7EE6-4342-B048-85BDC9FD1C3A}</a:tableStyleId>
-              </a:tblPr>
-              <a:tblGrid>
-                <a:gridCol w="4064000"/>
-                <a:gridCol w="4064000"/>
-              </a:tblGrid>
-              <a:tr h="370840">
-                <a:tc>
-                  <a:txBody>
-                    <a:bodyPr/>
-                    <a:lstStyle/>
-                    <a:p>
-                      <a:pPr marL="0" marR="0" indent="0" algn="ctr" defTabSz="914400" rtl="0" eaLnBrk="1" fontAlgn="auto" latinLnBrk="0" hangingPunct="1">
-                        <a:lnSpc>
-                          <a:spcPct val="100000"/>
-                        </a:lnSpc>
-                        <a:spcBef>
-                          <a:spcPts val="0"/>
-                        </a:spcBef>
-                        <a:spcAft>
-                          <a:spcPts val="0"/>
-                        </a:spcAft>
-                        <a:buClrTx/>
-                        <a:buSzTx/>
-                        <a:buFontTx/>
-                        <a:buNone/>
-                        <a:tabLst/>
-                        <a:defRPr/>
-                      </a:pPr>
-                      <a:r>
-                        <a:rPr lang="es-PE" sz="1800" dirty="0" smtClean="0">
-                          <a:solidFill>
-                            <a:schemeClr val="bg1"/>
-                          </a:solidFill>
-                        </a:rPr>
-                        <a:t>Opción </a:t>
-                      </a:r>
-                      <a:r>
-                        <a:rPr lang="es-PE" sz="1800" dirty="0" err="1" smtClean="0">
-                          <a:solidFill>
-                            <a:schemeClr val="bg1"/>
-                          </a:solidFill>
-                        </a:rPr>
-                        <a:t>Call</a:t>
-                      </a:r>
-                      <a:endParaRPr lang="es-PE" sz="1800" dirty="0" smtClean="0">
-                        <a:solidFill>
-                          <a:schemeClr val="bg1"/>
-                        </a:solidFill>
-                      </a:endParaRPr>
-                    </a:p>
-                  </a:txBody>
-                  <a:tcPr/>
-                </a:tc>
-                <a:tc>
-                  <a:txBody>
-                    <a:bodyPr/>
-                    <a:lstStyle/>
-                    <a:p>
-                      <a:pPr marL="0" marR="0" indent="0" algn="ctr" defTabSz="914400" rtl="0" eaLnBrk="1" fontAlgn="auto" latinLnBrk="0" hangingPunct="1">
-                        <a:lnSpc>
-                          <a:spcPct val="100000"/>
-                        </a:lnSpc>
-                        <a:spcBef>
-                          <a:spcPts val="0"/>
-                        </a:spcBef>
-                        <a:spcAft>
-                          <a:spcPts val="0"/>
-                        </a:spcAft>
-                        <a:buClrTx/>
-                        <a:buSzTx/>
-                        <a:buFontTx/>
-                        <a:buNone/>
-                        <a:tabLst/>
-                        <a:defRPr/>
-                      </a:pPr>
-                      <a:r>
-                        <a:rPr lang="es-PE" sz="1800" dirty="0" smtClean="0">
-                          <a:solidFill>
-                            <a:schemeClr val="bg1"/>
-                          </a:solidFill>
-                        </a:rPr>
-                        <a:t>Opción </a:t>
-                      </a:r>
-                      <a:r>
-                        <a:rPr lang="es-PE" sz="1800" dirty="0" err="1" smtClean="0">
-                          <a:solidFill>
-                            <a:schemeClr val="bg1"/>
-                          </a:solidFill>
-                        </a:rPr>
-                        <a:t>Put</a:t>
-                      </a:r>
-                      <a:endParaRPr lang="es-PE" sz="1800" dirty="0" smtClean="0">
-                        <a:solidFill>
-                          <a:schemeClr val="bg1"/>
-                        </a:solidFill>
-                      </a:endParaRPr>
-                    </a:p>
-                  </a:txBody>
-                  <a:tcPr/>
-                </a:tc>
-              </a:tr>
-              <a:tr h="370840">
-                <a:tc>
-                  <a:txBody>
-                    <a:bodyPr/>
-                    <a:lstStyle/>
-                    <a:p>
-                      <a:pPr marL="0" marR="0" indent="0" algn="ctr" defTabSz="914400" rtl="0" eaLnBrk="1" fontAlgn="auto" latinLnBrk="0" hangingPunct="1">
-                        <a:lnSpc>
-                          <a:spcPct val="100000"/>
-                        </a:lnSpc>
-                        <a:spcBef>
-                          <a:spcPts val="0"/>
-                        </a:spcBef>
-                        <a:spcAft>
-                          <a:spcPts val="0"/>
-                        </a:spcAft>
-                        <a:buClrTx/>
-                        <a:buSzTx/>
-                        <a:buFontTx/>
-                        <a:buNone/>
-                        <a:tabLst/>
-                        <a:defRPr/>
-                      </a:pPr>
-                      <a:r>
-                        <a:rPr lang="es-PE" dirty="0" smtClean="0">
-                          <a:solidFill>
-                            <a:schemeClr val="tx1"/>
-                          </a:solidFill>
-                        </a:rPr>
-                        <a:t>Max( S-X  , 0) &gt; 0</a:t>
-                      </a:r>
-                    </a:p>
-                  </a:txBody>
-                  <a:tcPr/>
-                </a:tc>
-                <a:tc>
-                  <a:txBody>
-                    <a:bodyPr/>
-                    <a:lstStyle/>
-                    <a:p>
-                      <a:pPr marL="0" marR="0" indent="0" algn="ctr" defTabSz="914400" rtl="0" eaLnBrk="1" fontAlgn="auto" latinLnBrk="0" hangingPunct="1">
-                        <a:lnSpc>
-                          <a:spcPct val="100000"/>
-                        </a:lnSpc>
-                        <a:spcBef>
-                          <a:spcPts val="0"/>
-                        </a:spcBef>
-                        <a:spcAft>
-                          <a:spcPts val="0"/>
-                        </a:spcAft>
-                        <a:buClrTx/>
-                        <a:buSzTx/>
-                        <a:buFontTx/>
-                        <a:buNone/>
-                        <a:tabLst/>
-                        <a:defRPr/>
-                      </a:pPr>
-                      <a:r>
-                        <a:rPr lang="es-PE" dirty="0" smtClean="0">
-                          <a:solidFill>
-                            <a:schemeClr val="tx1"/>
-                          </a:solidFill>
-                        </a:rPr>
-                        <a:t>Max( X-S  , 0) &gt; 0</a:t>
-                      </a:r>
-                    </a:p>
-                  </a:txBody>
-                  <a:tcPr/>
-                </a:tc>
-              </a:tr>
-            </a:tbl>
-          </a:graphicData>
-        </a:graphic>
-      </p:graphicFrame>
+      <p:pic>
+        <p:nvPicPr>
+          <p:cNvPr id="4" name="Imagen 3">
+            <a:extLst>
+              <a:ext uri="{FF2B5EF4-FFF2-40B4-BE49-F238E27FC236}">
+                <a16:creationId xmlns:a16="http://schemas.microsoft.com/office/drawing/2014/main" id="{5A46F0AC-75E8-4B16-B2B6-5176DABA3624}"/>
+              </a:ext>
+            </a:extLst>
+          </p:cNvPr>
+          <p:cNvPicPr>
+            <a:picLocks noChangeAspect="1"/>
+          </p:cNvPicPr>
+          <p:nvPr/>
+        </p:nvPicPr>
+        <p:blipFill>
+          <a:blip r:embed="rId2">
+            <a:extLst>
+              <a:ext uri="{28A0092B-C50C-407E-A947-70E740481C1C}">
+                <a14:useLocalDpi xmlns:a14="http://schemas.microsoft.com/office/drawing/2010/main" val="0"/>
+              </a:ext>
+            </a:extLst>
+          </a:blip>
+          <a:stretch>
+            <a:fillRect/>
+          </a:stretch>
+        </p:blipFill>
+        <p:spPr>
+          <a:xfrm>
+            <a:off x="238539" y="148209"/>
+            <a:ext cx="11733497" cy="6597147"/>
+          </a:xfrm>
+          <a:prstGeom prst="rect">
+            <a:avLst/>
+          </a:prstGeom>
+        </p:spPr>
+      </p:pic>
     </p:spTree>
     <p:extLst>
       <p:ext uri="{BB962C8B-B14F-4D97-AF65-F5344CB8AC3E}">
-        <p14:creationId xmlns:p14="http://schemas.microsoft.com/office/powerpoint/2010/main" val="1470248135"/>
+        <p14:creationId xmlns:p14="http://schemas.microsoft.com/office/powerpoint/2010/main" val="1844489565"/>
       </p:ext>
     </p:extLst>
   </p:cSld>
   <p:clrMapOvr>
     <a:masterClrMapping/>
   </p:clrMapOvr>
-  <p:timing>
-    <p:tnLst>
-      <p:par>
-        <p:cTn id="1" dur="indefinite" restart="never" nodeType="tmRoot"/>
-      </p:par>
-    </p:tnLst>
-  </p:timing>
 </p:sld>
 </file>
 
@@ -17691,15 +16028,15 @@
 <file path=customXml/itemProps1.xml><?xml version="1.0" encoding="utf-8"?>
 <ds:datastoreItem xmlns:ds="http://schemas.openxmlformats.org/officeDocument/2006/customXml" ds:itemID="{F80F74D5-53BD-4753-803D-A53A678D4C85}">
   <ds:schemaRefs>
+    <ds:schemaRef ds:uri="http://purl.org/dc/elements/1.1/"/>
+    <ds:schemaRef ds:uri="http://schemas.microsoft.com/office/2006/documentManagement/types"/>
+    <ds:schemaRef ds:uri="904e2ea1-c14c-483b-89ef-f6b2df6ba23c"/>
     <ds:schemaRef ds:uri="http://purl.org/dc/terms/"/>
     <ds:schemaRef ds:uri="f40e8ec9-c0d5-46bf-ada4-d85cb00858d0"/>
     <ds:schemaRef ds:uri="http://purl.org/dc/dcmitype/"/>
-    <ds:schemaRef ds:uri="http://schemas.microsoft.com/office/2006/documentManagement/types"/>
-    <ds:schemaRef ds:uri="http://purl.org/dc/elements/1.1/"/>
-    <ds:schemaRef ds:uri="http://schemas.microsoft.com/office/2006/metadata/properties"/>
-    <ds:schemaRef ds:uri="904e2ea1-c14c-483b-89ef-f6b2df6ba23c"/>
     <ds:schemaRef ds:uri="http://schemas.microsoft.com/office/infopath/2007/PartnerControls"/>
     <ds:schemaRef ds:uri="http://schemas.openxmlformats.org/package/2006/metadata/core-properties"/>
+    <ds:schemaRef ds:uri="http://schemas.microsoft.com/office/2006/metadata/properties"/>
     <ds:schemaRef ds:uri="http://www.w3.org/XML/1998/namespace"/>
   </ds:schemaRefs>
 </ds:datastoreItem>
